--- a/mhw3.pptx
+++ b/mhw3.pptx
@@ -2,22 +2,21 @@
 <file path=ppt/presentation.xml><?xml version="1.0" encoding="utf-8"?>
 <p:presentation xmlns:a="http://schemas.openxmlformats.org/drawingml/2006/main" xmlns:r="http://schemas.openxmlformats.org/officeDocument/2006/relationships" xmlns:p="http://schemas.openxmlformats.org/presentationml/2006/main" saveSubsetFonts="1">
   <p:sldMasterIdLst>
-    <p:sldMasterId id="2147483648" r:id="rId1"/>
+    <p:sldMasterId id="2147483648" r:id="rId4"/>
   </p:sldMasterIdLst>
   <p:notesMasterIdLst>
-    <p:notesMasterId r:id="rId12"/>
+    <p:notesMasterId r:id="rId14"/>
   </p:notesMasterIdLst>
   <p:sldIdLst>
-    <p:sldId id="256" r:id="rId2"/>
-    <p:sldId id="257" r:id="rId3"/>
-    <p:sldId id="265" r:id="rId4"/>
-    <p:sldId id="258" r:id="rId5"/>
-    <p:sldId id="259" r:id="rId6"/>
-    <p:sldId id="260" r:id="rId7"/>
-    <p:sldId id="261" r:id="rId8"/>
-    <p:sldId id="262" r:id="rId9"/>
-    <p:sldId id="263" r:id="rId10"/>
-    <p:sldId id="264" r:id="rId11"/>
+    <p:sldId id="256" r:id="rId5"/>
+    <p:sldId id="257" r:id="rId6"/>
+    <p:sldId id="265" r:id="rId7"/>
+    <p:sldId id="258" r:id="rId8"/>
+    <p:sldId id="266" r:id="rId9"/>
+    <p:sldId id="267" r:id="rId10"/>
+    <p:sldId id="268" r:id="rId11"/>
+    <p:sldId id="259" r:id="rId12"/>
+    <p:sldId id="264" r:id="rId13"/>
   </p:sldIdLst>
   <p:sldSz cx="12192000" cy="6858000"/>
   <p:notesSz cx="6858000" cy="9144000"/>
@@ -124,6 +123,14 @@
 </p:presentation>
 </file>
 
+<file path=ppt/revisionInfo.xml><?xml version="1.0" encoding="utf-8"?>
+<p1510:revInfo xmlns:a="http://schemas.openxmlformats.org/drawingml/2006/main" xmlns:r="http://schemas.openxmlformats.org/officeDocument/2006/relationships" xmlns:p1510="http://schemas.microsoft.com/office/powerpoint/2015/10/main">
+  <p1510:revLst>
+    <p1510:client id="{498E7E9F-9517-4FF9-8E3E-5CD50ABC441E}" v="28" dt="2022-04-22T20:14:33.036"/>
+  </p1510:revLst>
+</p1510:revInfo>
+</file>
+
 <file path=ppt/notesMasters/notesMaster1.xml><?xml version="1.0" encoding="utf-8"?>
 <p:notesMaster xmlns:a="http://schemas.openxmlformats.org/drawingml/2006/main" xmlns:r="http://schemas.openxmlformats.org/officeDocument/2006/relationships" xmlns:p="http://schemas.openxmlformats.org/presentationml/2006/main">
   <p:cSld>
@@ -206,7 +213,7 @@
           <a:p>
             <a:fld id="{92259DC5-D2F9-4E73-A326-DCB6805C42F8}" type="datetimeFigureOut">
               <a:rPr lang="it-IT" smtClean="0"/>
-              <a:t>22/04/2022</a:t>
+              <a:t>26/04/2022</a:t>
             </a:fld>
             <a:endParaRPr lang="it-IT"/>
           </a:p>
@@ -538,7 +545,7 @@
           <a:p>
             <a:fld id="{5C49522D-8389-4382-BFC6-8A7305543CB9}" type="slidenum">
               <a:rPr lang="it-IT" smtClean="0"/>
-              <a:t>7</a:t>
+              <a:t>4</a:t>
             </a:fld>
             <a:endParaRPr lang="it-IT"/>
           </a:p>
@@ -547,7 +554,7 @@
     </p:spTree>
     <p:extLst>
       <p:ext uri="{BB962C8B-B14F-4D97-AF65-F5344CB8AC3E}">
-        <p14:creationId xmlns:p14="http://schemas.microsoft.com/office/powerpoint/2010/main" val="1118534681"/>
+        <p14:creationId xmlns:p14="http://schemas.microsoft.com/office/powerpoint/2010/main" val="422263113"/>
       </p:ext>
     </p:extLst>
   </p:cSld>
@@ -622,175 +629,7 @@
           <a:p>
             <a:fld id="{5C49522D-8389-4382-BFC6-8A7305543CB9}" type="slidenum">
               <a:rPr lang="it-IT" smtClean="0"/>
-              <a:t>8</a:t>
-            </a:fld>
-            <a:endParaRPr lang="it-IT"/>
-          </a:p>
-        </p:txBody>
-      </p:sp>
-    </p:spTree>
-    <p:extLst>
-      <p:ext uri="{BB962C8B-B14F-4D97-AF65-F5344CB8AC3E}">
-        <p14:creationId xmlns:p14="http://schemas.microsoft.com/office/powerpoint/2010/main" val="1511113076"/>
-      </p:ext>
-    </p:extLst>
-  </p:cSld>
-  <p:clrMapOvr>
-    <a:masterClrMapping/>
-  </p:clrMapOvr>
-</p:notes>
-</file>
-
-<file path=ppt/notesSlides/notesSlide3.xml><?xml version="1.0" encoding="utf-8"?>
-<p:notes xmlns:a="http://schemas.openxmlformats.org/drawingml/2006/main" xmlns:r="http://schemas.openxmlformats.org/officeDocument/2006/relationships" xmlns:p="http://schemas.openxmlformats.org/presentationml/2006/main">
-  <p:cSld>
-    <p:spTree>
-      <p:nvGrpSpPr>
-        <p:cNvPr id="1" name=""/>
-        <p:cNvGrpSpPr/>
-        <p:nvPr/>
-      </p:nvGrpSpPr>
-      <p:grpSpPr>
-        <a:xfrm>
-          <a:off x="0" y="0"/>
-          <a:ext cx="0" cy="0"/>
-          <a:chOff x="0" y="0"/>
-          <a:chExt cx="0" cy="0"/>
-        </a:xfrm>
-      </p:grpSpPr>
-      <p:sp>
-        <p:nvSpPr>
-          <p:cNvPr id="2" name="Segnaposto immagine diapositiva 1"/>
-          <p:cNvSpPr>
-            <a:spLocks noGrp="1" noRot="1" noChangeAspect="1"/>
-          </p:cNvSpPr>
-          <p:nvPr>
-            <p:ph type="sldImg"/>
-          </p:nvPr>
-        </p:nvSpPr>
-        <p:spPr/>
-      </p:sp>
-      <p:sp>
-        <p:nvSpPr>
-          <p:cNvPr id="3" name="Segnaposto note 2"/>
-          <p:cNvSpPr>
-            <a:spLocks noGrp="1"/>
-          </p:cNvSpPr>
-          <p:nvPr>
-            <p:ph type="body" idx="1"/>
-          </p:nvPr>
-        </p:nvSpPr>
-        <p:spPr/>
-        <p:txBody>
-          <a:bodyPr/>
-          <a:lstStyle/>
-          <a:p>
-            <a:endParaRPr lang="it-IT" dirty="0"/>
-          </a:p>
-        </p:txBody>
-      </p:sp>
-      <p:sp>
-        <p:nvSpPr>
-          <p:cNvPr id="4" name="Segnaposto numero diapositiva 3"/>
-          <p:cNvSpPr>
-            <a:spLocks noGrp="1"/>
-          </p:cNvSpPr>
-          <p:nvPr>
-            <p:ph type="sldNum" sz="quarter" idx="5"/>
-          </p:nvPr>
-        </p:nvSpPr>
-        <p:spPr/>
-        <p:txBody>
-          <a:bodyPr/>
-          <a:lstStyle/>
-          <a:p>
-            <a:fld id="{5C49522D-8389-4382-BFC6-8A7305543CB9}" type="slidenum">
-              <a:rPr lang="it-IT" smtClean="0"/>
               <a:t>9</a:t>
-            </a:fld>
-            <a:endParaRPr lang="it-IT"/>
-          </a:p>
-        </p:txBody>
-      </p:sp>
-    </p:spTree>
-    <p:extLst>
-      <p:ext uri="{BB962C8B-B14F-4D97-AF65-F5344CB8AC3E}">
-        <p14:creationId xmlns:p14="http://schemas.microsoft.com/office/powerpoint/2010/main" val="699410881"/>
-      </p:ext>
-    </p:extLst>
-  </p:cSld>
-  <p:clrMapOvr>
-    <a:masterClrMapping/>
-  </p:clrMapOvr>
-</p:notes>
-</file>
-
-<file path=ppt/notesSlides/notesSlide4.xml><?xml version="1.0" encoding="utf-8"?>
-<p:notes xmlns:a="http://schemas.openxmlformats.org/drawingml/2006/main" xmlns:r="http://schemas.openxmlformats.org/officeDocument/2006/relationships" xmlns:p="http://schemas.openxmlformats.org/presentationml/2006/main">
-  <p:cSld>
-    <p:spTree>
-      <p:nvGrpSpPr>
-        <p:cNvPr id="1" name=""/>
-        <p:cNvGrpSpPr/>
-        <p:nvPr/>
-      </p:nvGrpSpPr>
-      <p:grpSpPr>
-        <a:xfrm>
-          <a:off x="0" y="0"/>
-          <a:ext cx="0" cy="0"/>
-          <a:chOff x="0" y="0"/>
-          <a:chExt cx="0" cy="0"/>
-        </a:xfrm>
-      </p:grpSpPr>
-      <p:sp>
-        <p:nvSpPr>
-          <p:cNvPr id="2" name="Segnaposto immagine diapositiva 1"/>
-          <p:cNvSpPr>
-            <a:spLocks noGrp="1" noRot="1" noChangeAspect="1"/>
-          </p:cNvSpPr>
-          <p:nvPr>
-            <p:ph type="sldImg"/>
-          </p:nvPr>
-        </p:nvSpPr>
-        <p:spPr/>
-      </p:sp>
-      <p:sp>
-        <p:nvSpPr>
-          <p:cNvPr id="3" name="Segnaposto note 2"/>
-          <p:cNvSpPr>
-            <a:spLocks noGrp="1"/>
-          </p:cNvSpPr>
-          <p:nvPr>
-            <p:ph type="body" idx="1"/>
-          </p:nvPr>
-        </p:nvSpPr>
-        <p:spPr/>
-        <p:txBody>
-          <a:bodyPr/>
-          <a:lstStyle/>
-          <a:p>
-            <a:endParaRPr lang="it-IT" dirty="0"/>
-          </a:p>
-        </p:txBody>
-      </p:sp>
-      <p:sp>
-        <p:nvSpPr>
-          <p:cNvPr id="4" name="Segnaposto numero diapositiva 3"/>
-          <p:cNvSpPr>
-            <a:spLocks noGrp="1"/>
-          </p:cNvSpPr>
-          <p:nvPr>
-            <p:ph type="sldNum" sz="quarter" idx="5"/>
-          </p:nvPr>
-        </p:nvSpPr>
-        <p:spPr/>
-        <p:txBody>
-          <a:bodyPr/>
-          <a:lstStyle/>
-          <a:p>
-            <a:fld id="{5C49522D-8389-4382-BFC6-8A7305543CB9}" type="slidenum">
-              <a:rPr lang="it-IT" smtClean="0"/>
-              <a:t>10</a:t>
             </a:fld>
             <a:endParaRPr lang="it-IT"/>
           </a:p>
@@ -956,7 +795,7 @@
           <a:p>
             <a:fld id="{CD21F041-D01A-4B18-B9EE-746BC50D56D8}" type="datetimeFigureOut">
               <a:rPr lang="it-IT" smtClean="0"/>
-              <a:t>22/04/2022</a:t>
+              <a:t>26/04/2022</a:t>
             </a:fld>
             <a:endParaRPr lang="it-IT"/>
           </a:p>
@@ -1154,7 +993,7 @@
           <a:p>
             <a:fld id="{CD21F041-D01A-4B18-B9EE-746BC50D56D8}" type="datetimeFigureOut">
               <a:rPr lang="it-IT" smtClean="0"/>
-              <a:t>22/04/2022</a:t>
+              <a:t>26/04/2022</a:t>
             </a:fld>
             <a:endParaRPr lang="it-IT"/>
           </a:p>
@@ -1362,7 +1201,7 @@
           <a:p>
             <a:fld id="{CD21F041-D01A-4B18-B9EE-746BC50D56D8}" type="datetimeFigureOut">
               <a:rPr lang="it-IT" smtClean="0"/>
-              <a:t>22/04/2022</a:t>
+              <a:t>26/04/2022</a:t>
             </a:fld>
             <a:endParaRPr lang="it-IT"/>
           </a:p>
@@ -1560,7 +1399,7 @@
           <a:p>
             <a:fld id="{CD21F041-D01A-4B18-B9EE-746BC50D56D8}" type="datetimeFigureOut">
               <a:rPr lang="it-IT" smtClean="0"/>
-              <a:t>22/04/2022</a:t>
+              <a:t>26/04/2022</a:t>
             </a:fld>
             <a:endParaRPr lang="it-IT"/>
           </a:p>
@@ -1835,7 +1674,7 @@
           <a:p>
             <a:fld id="{CD21F041-D01A-4B18-B9EE-746BC50D56D8}" type="datetimeFigureOut">
               <a:rPr lang="it-IT" smtClean="0"/>
-              <a:t>22/04/2022</a:t>
+              <a:t>26/04/2022</a:t>
             </a:fld>
             <a:endParaRPr lang="it-IT"/>
           </a:p>
@@ -2100,7 +1939,7 @@
           <a:p>
             <a:fld id="{CD21F041-D01A-4B18-B9EE-746BC50D56D8}" type="datetimeFigureOut">
               <a:rPr lang="it-IT" smtClean="0"/>
-              <a:t>22/04/2022</a:t>
+              <a:t>26/04/2022</a:t>
             </a:fld>
             <a:endParaRPr lang="it-IT"/>
           </a:p>
@@ -2512,7 +2351,7 @@
           <a:p>
             <a:fld id="{CD21F041-D01A-4B18-B9EE-746BC50D56D8}" type="datetimeFigureOut">
               <a:rPr lang="it-IT" smtClean="0"/>
-              <a:t>22/04/2022</a:t>
+              <a:t>26/04/2022</a:t>
             </a:fld>
             <a:endParaRPr lang="it-IT"/>
           </a:p>
@@ -2653,7 +2492,7 @@
           <a:p>
             <a:fld id="{CD21F041-D01A-4B18-B9EE-746BC50D56D8}" type="datetimeFigureOut">
               <a:rPr lang="it-IT" smtClean="0"/>
-              <a:t>22/04/2022</a:t>
+              <a:t>26/04/2022</a:t>
             </a:fld>
             <a:endParaRPr lang="it-IT"/>
           </a:p>
@@ -2766,7 +2605,7 @@
           <a:p>
             <a:fld id="{CD21F041-D01A-4B18-B9EE-746BC50D56D8}" type="datetimeFigureOut">
               <a:rPr lang="it-IT" smtClean="0"/>
-              <a:t>22/04/2022</a:t>
+              <a:t>26/04/2022</a:t>
             </a:fld>
             <a:endParaRPr lang="it-IT"/>
           </a:p>
@@ -3077,7 +2916,7 @@
           <a:p>
             <a:fld id="{CD21F041-D01A-4B18-B9EE-746BC50D56D8}" type="datetimeFigureOut">
               <a:rPr lang="it-IT" smtClean="0"/>
-              <a:t>22/04/2022</a:t>
+              <a:t>26/04/2022</a:t>
             </a:fld>
             <a:endParaRPr lang="it-IT"/>
           </a:p>
@@ -3365,7 +3204,7 @@
           <a:p>
             <a:fld id="{CD21F041-D01A-4B18-B9EE-746BC50D56D8}" type="datetimeFigureOut">
               <a:rPr lang="it-IT" smtClean="0"/>
-              <a:t>22/04/2022</a:t>
+              <a:t>26/04/2022</a:t>
             </a:fld>
             <a:endParaRPr lang="it-IT"/>
           </a:p>
@@ -3606,7 +3445,7 @@
           <a:p>
             <a:fld id="{CD21F041-D01A-4B18-B9EE-746BC50D56D8}" type="datetimeFigureOut">
               <a:rPr lang="it-IT" smtClean="0"/>
-              <a:t>22/04/2022</a:t>
+              <a:t>26/04/2022</a:t>
             </a:fld>
             <a:endParaRPr lang="it-IT"/>
           </a:p>
@@ -4250,244 +4089,6 @@
 </p:sld>
 </file>
 
-<file path=ppt/slides/slide10.xml><?xml version="1.0" encoding="utf-8"?>
-<p:sld xmlns:a="http://schemas.openxmlformats.org/drawingml/2006/main" xmlns:r="http://schemas.openxmlformats.org/officeDocument/2006/relationships" xmlns:p="http://schemas.openxmlformats.org/presentationml/2006/main">
-  <p:cSld>
-    <p:spTree>
-      <p:nvGrpSpPr>
-        <p:cNvPr id="1" name=""/>
-        <p:cNvGrpSpPr/>
-        <p:nvPr/>
-      </p:nvGrpSpPr>
-      <p:grpSpPr>
-        <a:xfrm>
-          <a:off x="0" y="0"/>
-          <a:ext cx="0" cy="0"/>
-          <a:chOff x="0" y="0"/>
-          <a:chExt cx="0" cy="0"/>
-        </a:xfrm>
-      </p:grpSpPr>
-      <p:sp>
-        <p:nvSpPr>
-          <p:cNvPr id="4" name="Rettangolo 3">
-            <a:extLst>
-              <a:ext uri="{FF2B5EF4-FFF2-40B4-BE49-F238E27FC236}">
-                <a16:creationId xmlns:a16="http://schemas.microsoft.com/office/drawing/2014/main" id="{1639C6D2-6372-4892-BF19-F186C738E05A}"/>
-              </a:ext>
-            </a:extLst>
-          </p:cNvPr>
-          <p:cNvSpPr/>
-          <p:nvPr/>
-        </p:nvSpPr>
-        <p:spPr>
-          <a:xfrm>
-            <a:off x="0" y="0"/>
-            <a:ext cx="12192000" cy="1389185"/>
-          </a:xfrm>
-          <a:prstGeom prst="rect">
-            <a:avLst/>
-          </a:prstGeom>
-          <a:solidFill>
-            <a:srgbClr val="0070C0"/>
-          </a:solidFill>
-          <a:ln/>
-        </p:spPr>
-        <p:style>
-          <a:lnRef idx="2">
-            <a:schemeClr val="accent1"/>
-          </a:lnRef>
-          <a:fillRef idx="1">
-            <a:schemeClr val="lt1"/>
-          </a:fillRef>
-          <a:effectRef idx="0">
-            <a:schemeClr val="accent1"/>
-          </a:effectRef>
-          <a:fontRef idx="minor">
-            <a:schemeClr val="dk1"/>
-          </a:fontRef>
-        </p:style>
-        <p:txBody>
-          <a:bodyPr rtlCol="0" anchor="ctr"/>
-          <a:lstStyle/>
-          <a:p>
-            <a:pPr algn="ctr"/>
-            <a:endParaRPr lang="it-IT"/>
-          </a:p>
-        </p:txBody>
-      </p:sp>
-      <p:sp>
-        <p:nvSpPr>
-          <p:cNvPr id="2" name="Titolo 1">
-            <a:extLst>
-              <a:ext uri="{FF2B5EF4-FFF2-40B4-BE49-F238E27FC236}">
-                <a16:creationId xmlns:a16="http://schemas.microsoft.com/office/drawing/2014/main" id="{115F0109-48F3-424E-AC1B-D93C78E3F586}"/>
-              </a:ext>
-            </a:extLst>
-          </p:cNvPr>
-          <p:cNvSpPr>
-            <a:spLocks noGrp="1"/>
-          </p:cNvSpPr>
-          <p:nvPr>
-            <p:ph type="ctrTitle"/>
-          </p:nvPr>
-        </p:nvSpPr>
-        <p:spPr>
-          <a:xfrm>
-            <a:off x="1511300" y="109903"/>
-            <a:ext cx="9169400" cy="1169377"/>
-          </a:xfrm>
-        </p:spPr>
-        <p:txBody>
-          <a:bodyPr>
-            <a:normAutofit/>
-          </a:bodyPr>
-          <a:lstStyle/>
-          <a:p>
-            <a:r>
-              <a:rPr lang="it-IT" dirty="0">
-                <a:latin typeface="Gill Sans Nova" panose="020B0602020104020203" pitchFamily="34" charset="0"/>
-              </a:rPr>
-              <a:t>Mobile Web</a:t>
-            </a:r>
-          </a:p>
-        </p:txBody>
-      </p:sp>
-      <p:sp>
-        <p:nvSpPr>
-          <p:cNvPr id="12" name="CasellaDiTesto 11">
-            <a:extLst>
-              <a:ext uri="{FF2B5EF4-FFF2-40B4-BE49-F238E27FC236}">
-                <a16:creationId xmlns:a16="http://schemas.microsoft.com/office/drawing/2014/main" id="{066C9DF1-6E25-4629-A6BF-24005157B40A}"/>
-              </a:ext>
-            </a:extLst>
-          </p:cNvPr>
-          <p:cNvSpPr txBox="1"/>
-          <p:nvPr/>
-        </p:nvSpPr>
-        <p:spPr>
-          <a:xfrm>
-            <a:off x="386862" y="1600200"/>
-            <a:ext cx="11412415" cy="1200329"/>
-          </a:xfrm>
-          <a:prstGeom prst="rect">
-            <a:avLst/>
-          </a:prstGeom>
-          <a:noFill/>
-        </p:spPr>
-        <p:txBody>
-          <a:bodyPr wrap="square" rtlCol="0">
-            <a:spAutoFit/>
-          </a:bodyPr>
-          <a:lstStyle/>
-          <a:p>
-            <a:r>
-              <a:rPr lang="it-IT" dirty="0"/>
-              <a:t>La pagina contiene elementi che permettono una corretta visualizzazione in dispostivi non desktop, tra cui smartphone e tablet. Ho utilizzato il comando «meta: </a:t>
-            </a:r>
-            <a:r>
-              <a:rPr lang="it-IT" dirty="0" err="1"/>
-              <a:t>viewport</a:t>
-            </a:r>
-            <a:r>
-              <a:rPr lang="it-IT" dirty="0"/>
-              <a:t>» inserito nell’head in modo da consentire una ‘’buona’’ visualizzazione su ogni dispositivo. Ho inoltre personalizzato alcuni elementi in dispositivi con una media query «@media» per dispositivi con «max-</a:t>
-            </a:r>
-            <a:r>
-              <a:rPr lang="it-IT" dirty="0" err="1"/>
-              <a:t>width</a:t>
-            </a:r>
-            <a:r>
-              <a:rPr lang="it-IT" dirty="0"/>
-              <a:t>: 500px».</a:t>
-            </a:r>
-          </a:p>
-        </p:txBody>
-      </p:sp>
-      <p:pic>
-        <p:nvPicPr>
-          <p:cNvPr id="8" name="Immagine 7" descr="Immagine che contiene testo, interni, mensola&#10;&#10;Descrizione generata automaticamente">
-            <a:extLst>
-              <a:ext uri="{FF2B5EF4-FFF2-40B4-BE49-F238E27FC236}">
-                <a16:creationId xmlns:a16="http://schemas.microsoft.com/office/drawing/2014/main" id="{2D1CFCEE-F034-4CA8-89A5-CEF23B39E589}"/>
-              </a:ext>
-            </a:extLst>
-          </p:cNvPr>
-          <p:cNvPicPr>
-            <a:picLocks noChangeAspect="1"/>
-          </p:cNvPicPr>
-          <p:nvPr/>
-        </p:nvPicPr>
-        <p:blipFill>
-          <a:blip r:embed="rId3">
-            <a:extLst>
-              <a:ext uri="{28A0092B-C50C-407E-A947-70E740481C1C}">
-                <a14:useLocalDpi xmlns:a14="http://schemas.microsoft.com/office/drawing/2010/main" val="0"/>
-              </a:ext>
-            </a:extLst>
-          </a:blip>
-          <a:stretch>
-            <a:fillRect/>
-          </a:stretch>
-        </p:blipFill>
-        <p:spPr>
-          <a:xfrm>
-            <a:off x="517769" y="3011544"/>
-            <a:ext cx="7852508" cy="1331856"/>
-          </a:xfrm>
-          <a:prstGeom prst="rect">
-            <a:avLst/>
-          </a:prstGeom>
-        </p:spPr>
-      </p:pic>
-      <p:pic>
-        <p:nvPicPr>
-          <p:cNvPr id="5" name="Immagine 4" descr="Immagine che contiene testo&#10;&#10;Descrizione generata automaticamente">
-            <a:extLst>
-              <a:ext uri="{FF2B5EF4-FFF2-40B4-BE49-F238E27FC236}">
-                <a16:creationId xmlns:a16="http://schemas.microsoft.com/office/drawing/2014/main" id="{F9B0282E-1B48-46B6-A130-B5A8D84A402C}"/>
-              </a:ext>
-            </a:extLst>
-          </p:cNvPr>
-          <p:cNvPicPr>
-            <a:picLocks noChangeAspect="1"/>
-          </p:cNvPicPr>
-          <p:nvPr/>
-        </p:nvPicPr>
-        <p:blipFill>
-          <a:blip r:embed="rId4">
-            <a:extLst>
-              <a:ext uri="{28A0092B-C50C-407E-A947-70E740481C1C}">
-                <a14:useLocalDpi xmlns:a14="http://schemas.microsoft.com/office/drawing/2010/main" val="0"/>
-              </a:ext>
-            </a:extLst>
-          </a:blip>
-          <a:stretch>
-            <a:fillRect/>
-          </a:stretch>
-        </p:blipFill>
-        <p:spPr>
-          <a:xfrm>
-            <a:off x="9046402" y="2800529"/>
-            <a:ext cx="2152950" cy="3877216"/>
-          </a:xfrm>
-          <a:prstGeom prst="rect">
-            <a:avLst/>
-          </a:prstGeom>
-        </p:spPr>
-      </p:pic>
-    </p:spTree>
-    <p:extLst>
-      <p:ext uri="{BB962C8B-B14F-4D97-AF65-F5344CB8AC3E}">
-        <p14:creationId xmlns:p14="http://schemas.microsoft.com/office/powerpoint/2010/main" val="3298238333"/>
-      </p:ext>
-    </p:extLst>
-  </p:cSld>
-  <p:clrMapOvr>
-    <a:masterClrMapping/>
-  </p:clrMapOvr>
-</p:sld>
-</file>
-
 <file path=ppt/slides/slide2.xml><?xml version="1.0" encoding="utf-8"?>
 <p:sld xmlns:a="http://schemas.openxmlformats.org/drawingml/2006/main" xmlns:r="http://schemas.openxmlformats.org/officeDocument/2006/relationships" xmlns:p="http://schemas.openxmlformats.org/presentationml/2006/main">
   <p:cSld>
@@ -4817,17 +4418,92 @@
               <a:rPr lang="it-IT" dirty="0">
                 <a:latin typeface="Gill Sans Nova" panose="020B0602020104020203" pitchFamily="34" charset="0"/>
               </a:rPr>
-              <a:t>Layout HTML + CSS</a:t>
+              <a:t>Funzionamento API Spotify</a:t>
+            </a:r>
+          </a:p>
+        </p:txBody>
+      </p:sp>
+      <p:sp>
+        <p:nvSpPr>
+          <p:cNvPr id="3" name="CasellaDiTesto 2">
+            <a:extLst>
+              <a:ext uri="{FF2B5EF4-FFF2-40B4-BE49-F238E27FC236}">
+                <a16:creationId xmlns:a16="http://schemas.microsoft.com/office/drawing/2014/main" id="{70A0D697-CE5F-43BF-A7EA-9767691886F6}"/>
+              </a:ext>
+            </a:extLst>
+          </p:cNvPr>
+          <p:cNvSpPr txBox="1"/>
+          <p:nvPr/>
+        </p:nvSpPr>
+        <p:spPr>
+          <a:xfrm>
+            <a:off x="193430" y="1553860"/>
+            <a:ext cx="3472962" cy="2862322"/>
+          </a:xfrm>
+          <a:prstGeom prst="rect">
+            <a:avLst/>
+          </a:prstGeom>
+          <a:noFill/>
+        </p:spPr>
+        <p:txBody>
+          <a:bodyPr wrap="square" rtlCol="0">
+            <a:spAutoFit/>
+          </a:bodyPr>
+          <a:lstStyle/>
+          <a:p>
+            <a:r>
+              <a:rPr lang="it-IT" dirty="0"/>
+              <a:t>Per l’implementazione di questa API, oltre alla funzione di lettura dei risultati ‘’</a:t>
+            </a:r>
+            <a:r>
+              <a:rPr lang="it-IT" dirty="0" err="1"/>
+              <a:t>function</a:t>
+            </a:r>
+            <a:r>
+              <a:rPr lang="it-IT" dirty="0"/>
+              <a:t> </a:t>
+            </a:r>
+            <a:r>
+              <a:rPr lang="it-IT" dirty="0" err="1"/>
+              <a:t>onJsonSpotify</a:t>
+            </a:r>
+            <a:r>
+              <a:rPr lang="it-IT" dirty="0"/>
+              <a:t>(</a:t>
+            </a:r>
+            <a:r>
+              <a:rPr lang="it-IT" dirty="0" err="1"/>
+              <a:t>json</a:t>
+            </a:r>
+            <a:r>
+              <a:rPr lang="it-IT" dirty="0"/>
+              <a:t>)’’ , è stato necessario implementare l’autenticazione tramite la funzione di richiesta del token inserendo le credenziali ‘’</a:t>
+            </a:r>
+            <a:r>
+              <a:rPr lang="it-IT" dirty="0" err="1"/>
+              <a:t>client_id</a:t>
+            </a:r>
+            <a:r>
+              <a:rPr lang="it-IT" dirty="0"/>
+              <a:t> e </a:t>
+            </a:r>
+            <a:r>
+              <a:rPr lang="it-IT" dirty="0" err="1"/>
+              <a:t>client_secret</a:t>
+            </a:r>
+            <a:r>
+              <a:rPr lang="it-IT" dirty="0"/>
+              <a:t>’’ ottenibili dal sito Developers di Spotify.</a:t>
             </a:r>
           </a:p>
         </p:txBody>
       </p:sp>
       <p:pic>
         <p:nvPicPr>
-          <p:cNvPr id="5" name="Immagine 4">
-            <a:extLst>
-              <a:ext uri="{FF2B5EF4-FFF2-40B4-BE49-F238E27FC236}">
-                <a16:creationId xmlns:a16="http://schemas.microsoft.com/office/drawing/2014/main" id="{0F317A92-DB47-4397-B3C2-A6492DB41523}"/>
+          <p:cNvPr id="10" name="Immagine 9" descr="Immagine che contiene testo&#10;&#10;Descrizione generata automaticamente">
+            <a:extLst>
+              <a:ext uri="{FF2B5EF4-FFF2-40B4-BE49-F238E27FC236}">
+                <a16:creationId xmlns:a16="http://schemas.microsoft.com/office/drawing/2014/main" id="{535B7CFD-8820-4D9F-BF61-B643FE5F41B5}"/>
               </a:ext>
             </a:extLst>
           </p:cNvPr>
@@ -4850,8 +4526,8 @@
         </p:blipFill>
         <p:spPr>
           <a:xfrm>
-            <a:off x="400050" y="4006850"/>
-            <a:ext cx="4835417" cy="2460124"/>
+            <a:off x="3901190" y="1553860"/>
+            <a:ext cx="8097380" cy="2572109"/>
           </a:xfrm>
           <a:prstGeom prst="rect">
             <a:avLst/>
@@ -4860,10 +4536,10 @@
       </p:pic>
       <p:pic>
         <p:nvPicPr>
-          <p:cNvPr id="9" name="Immagine 8" descr="Immagine che contiene testo, monitor, screenshot, interni&#10;&#10;Descrizione generata automaticamente">
-            <a:extLst>
-              <a:ext uri="{FF2B5EF4-FFF2-40B4-BE49-F238E27FC236}">
-                <a16:creationId xmlns:a16="http://schemas.microsoft.com/office/drawing/2014/main" id="{FA1EDEE8-F335-4C61-9C25-5F256B86C07A}"/>
+          <p:cNvPr id="12" name="Immagine 11" descr="Immagine che contiene testo&#10;&#10;Descrizione generata automaticamente">
+            <a:extLst>
+              <a:ext uri="{FF2B5EF4-FFF2-40B4-BE49-F238E27FC236}">
+                <a16:creationId xmlns:a16="http://schemas.microsoft.com/office/drawing/2014/main" id="{F1430818-04CC-4A9B-88AE-F5DDF43795B9}"/>
               </a:ext>
             </a:extLst>
           </p:cNvPr>
@@ -4886,8 +4562,80 @@
         </p:blipFill>
         <p:spPr>
           <a:xfrm>
-            <a:off x="5384800" y="1519173"/>
-            <a:ext cx="6191250" cy="2487677"/>
+            <a:off x="7558113" y="4125969"/>
+            <a:ext cx="4273403" cy="2429836"/>
+          </a:xfrm>
+          <a:prstGeom prst="rect">
+            <a:avLst/>
+          </a:prstGeom>
+        </p:spPr>
+      </p:pic>
+      <p:pic>
+        <p:nvPicPr>
+          <p:cNvPr id="14" name="Immagine 13" descr="Immagine che contiene testo, schermo, screenshot&#10;&#10;Descrizione generata automaticamente">
+            <a:extLst>
+              <a:ext uri="{FF2B5EF4-FFF2-40B4-BE49-F238E27FC236}">
+                <a16:creationId xmlns:a16="http://schemas.microsoft.com/office/drawing/2014/main" id="{1C8123AF-D9A4-47B9-89D1-2E421D554998}"/>
+              </a:ext>
+            </a:extLst>
+          </p:cNvPr>
+          <p:cNvPicPr>
+            <a:picLocks noChangeAspect="1"/>
+          </p:cNvPicPr>
+          <p:nvPr/>
+        </p:nvPicPr>
+        <p:blipFill>
+          <a:blip r:embed="rId4">
+            <a:extLst>
+              <a:ext uri="{28A0092B-C50C-407E-A947-70E740481C1C}">
+                <a14:useLocalDpi xmlns:a14="http://schemas.microsoft.com/office/drawing/2010/main" val="0"/>
+              </a:ext>
+            </a:extLst>
+          </a:blip>
+          <a:stretch>
+            <a:fillRect/>
+          </a:stretch>
+        </p:blipFill>
+        <p:spPr>
+          <a:xfrm>
+            <a:off x="4245224" y="4125969"/>
+            <a:ext cx="2734057" cy="1991003"/>
+          </a:xfrm>
+          <a:prstGeom prst="rect">
+            <a:avLst/>
+          </a:prstGeom>
+        </p:spPr>
+      </p:pic>
+      <p:pic>
+        <p:nvPicPr>
+          <p:cNvPr id="16" name="Immagine 15" descr="Immagine che contiene testo&#10;&#10;Descrizione generata automaticamente">
+            <a:extLst>
+              <a:ext uri="{FF2B5EF4-FFF2-40B4-BE49-F238E27FC236}">
+                <a16:creationId xmlns:a16="http://schemas.microsoft.com/office/drawing/2014/main" id="{AFA1E8EF-3994-46C0-8691-0171A6E3136F}"/>
+              </a:ext>
+            </a:extLst>
+          </p:cNvPr>
+          <p:cNvPicPr>
+            <a:picLocks noChangeAspect="1"/>
+          </p:cNvPicPr>
+          <p:nvPr/>
+        </p:nvPicPr>
+        <p:blipFill>
+          <a:blip r:embed="rId5">
+            <a:extLst>
+              <a:ext uri="{28A0092B-C50C-407E-A947-70E740481C1C}">
+                <a14:useLocalDpi xmlns:a14="http://schemas.microsoft.com/office/drawing/2010/main" val="0"/>
+              </a:ext>
+            </a:extLst>
+          </a:blip>
+          <a:stretch>
+            <a:fillRect/>
+          </a:stretch>
+        </p:blipFill>
+        <p:spPr>
+          <a:xfrm>
+            <a:off x="258825" y="4624753"/>
+            <a:ext cx="3819345" cy="1835168"/>
           </a:xfrm>
           <a:prstGeom prst="rect">
             <a:avLst/>
@@ -4996,7 +4744,7 @@
         </p:spPr>
         <p:txBody>
           <a:bodyPr>
-            <a:normAutofit fontScale="90000"/>
+            <a:normAutofit/>
           </a:bodyPr>
           <a:lstStyle/>
           <a:p>
@@ -5004,18 +4752,7 @@
               <a:rPr lang="it-IT" dirty="0">
                 <a:latin typeface="Gill Sans Nova" panose="020B0602020104020203" pitchFamily="34" charset="0"/>
               </a:rPr>
-              <a:t>Barra di navigazione</a:t>
-            </a:r>
-            <a:br>
-              <a:rPr lang="it-IT" dirty="0">
-                <a:latin typeface="Gill Sans Nova" panose="020B0602020104020203" pitchFamily="34" charset="0"/>
-              </a:rPr>
-            </a:br>
-            <a:r>
-              <a:rPr lang="it-IT" dirty="0">
-                <a:latin typeface="Gill Sans Nova" panose="020B0602020104020203" pitchFamily="34" charset="0"/>
-              </a:rPr>
-              <a:t>(navbar) </a:t>
+              <a:t>Funzionamento API Spotify</a:t>
             </a:r>
           </a:p>
         </p:txBody>
@@ -5035,7 +4772,7 @@
         <p:spPr>
           <a:xfrm>
             <a:off x="290146" y="2074985"/>
-            <a:ext cx="2945423" cy="4524315"/>
+            <a:ext cx="2945423" cy="3970318"/>
           </a:xfrm>
           <a:prstGeom prst="rect">
             <a:avLst/>
@@ -5050,71 +4787,50 @@
           <a:p>
             <a:r>
               <a:rPr lang="it-IT" dirty="0"/>
-              <a:t>La barra di navigazione è il primo elemento della pagina, il quale contiene 5 elementi &lt;a&gt; i quali definiscono dei link. Li ho impostati come elementi </a:t>
+              <a:t>La funzione ‘’</a:t>
             </a:r>
             <a:r>
               <a:rPr lang="it-IT" dirty="0" err="1"/>
-              <a:t>flex</a:t>
+              <a:t>onJsonSpotify</a:t>
             </a:r>
             <a:r>
               <a:rPr lang="it-IT" dirty="0"/>
-              <a:t> in modo da poterli orientare uno accanto all’altro attraverso il «</a:t>
+              <a:t>’’ mi ha permesso di leggere i risultati tramite console e di scegliere quelli che mi interessavano mettendo un limite massimo ai risultati visualizzabili.</a:t>
+            </a:r>
+          </a:p>
+          <a:p>
+            <a:r>
+              <a:rPr lang="it-IT" dirty="0"/>
+              <a:t>Tramite la funzione </a:t>
             </a:r>
             <a:r>
               <a:rPr lang="it-IT" dirty="0" err="1"/>
-              <a:t>justify-content</a:t>
+              <a:t>RicercaSpotify</a:t>
             </a:r>
             <a:r>
               <a:rPr lang="it-IT" dirty="0"/>
-              <a:t>: </a:t>
+              <a:t>, è stato possibile inserire da tastiera tramite un input di tipo ‘’text’’ e ‘’</a:t>
             </a:r>
             <a:r>
               <a:rPr lang="it-IT" dirty="0" err="1"/>
-              <a:t>space-around</a:t>
+              <a:t>submit</a:t>
             </a:r>
             <a:r>
               <a:rPr lang="it-IT" dirty="0"/>
-              <a:t>».</a:t>
-            </a:r>
-          </a:p>
-          <a:p>
-            <a:r>
-              <a:rPr lang="it-IT" dirty="0"/>
-              <a:t>Attraverso l’uso del </a:t>
-            </a:r>
-            <a:r>
-              <a:rPr lang="it-IT" dirty="0" err="1"/>
-              <a:t>padding</a:t>
-            </a:r>
-            <a:r>
-              <a:rPr lang="it-IT" dirty="0"/>
-              <a:t>, </a:t>
-            </a:r>
-            <a:r>
-              <a:rPr lang="it-IT" dirty="0" err="1"/>
-              <a:t>border-radius</a:t>
-            </a:r>
-            <a:r>
-              <a:rPr lang="it-IT" dirty="0"/>
-              <a:t>, </a:t>
-            </a:r>
-            <a:r>
-              <a:rPr lang="it-IT" dirty="0" err="1"/>
-              <a:t>cursor:pointer</a:t>
-            </a:r>
-            <a:r>
-              <a:rPr lang="it-IT" dirty="0"/>
-              <a:t> e del background-color ho potuto personalizzare gli elementi facendoli apparire come dei «bottoni» veri e propri.</a:t>
-            </a:r>
+              <a:t>’’ per inviare la richiesta.</a:t>
+            </a:r>
+          </a:p>
+          <a:p>
+            <a:endParaRPr lang="it-IT" dirty="0"/>
           </a:p>
         </p:txBody>
       </p:sp>
       <p:pic>
         <p:nvPicPr>
-          <p:cNvPr id="7" name="Immagine 6" descr="Immagine che contiene testo&#10;&#10;Descrizione generata automaticamente">
-            <a:extLst>
-              <a:ext uri="{FF2B5EF4-FFF2-40B4-BE49-F238E27FC236}">
-                <a16:creationId xmlns:a16="http://schemas.microsoft.com/office/drawing/2014/main" id="{092C89C5-CE2C-4184-9575-FAB922C15E2A}"/>
+          <p:cNvPr id="6" name="Immagine 5" descr="Immagine che contiene testo&#10;&#10;Descrizione generata automaticamente">
+            <a:extLst>
+              <a:ext uri="{FF2B5EF4-FFF2-40B4-BE49-F238E27FC236}">
+                <a16:creationId xmlns:a16="http://schemas.microsoft.com/office/drawing/2014/main" id="{19895F4B-71AB-4C13-9E0D-B49F3019059A}"/>
               </a:ext>
             </a:extLst>
           </p:cNvPr>
@@ -5124,7 +4840,7 @@
           <p:nvPr/>
         </p:nvPicPr>
         <p:blipFill>
-          <a:blip r:embed="rId2">
+          <a:blip r:embed="rId3">
             <a:extLst>
               <a:ext uri="{28A0092B-C50C-407E-A947-70E740481C1C}">
                 <a14:useLocalDpi xmlns:a14="http://schemas.microsoft.com/office/drawing/2010/main" val="0"/>
@@ -5137,8 +4853,80 @@
         </p:blipFill>
         <p:spPr>
           <a:xfrm>
-            <a:off x="4478861" y="2939772"/>
-            <a:ext cx="6487430" cy="2000529"/>
+            <a:off x="8456798" y="1684994"/>
+            <a:ext cx="3278490" cy="4798845"/>
+          </a:xfrm>
+          <a:prstGeom prst="rect">
+            <a:avLst/>
+          </a:prstGeom>
+        </p:spPr>
+      </p:pic>
+      <p:pic>
+        <p:nvPicPr>
+          <p:cNvPr id="9" name="Immagine 8">
+            <a:extLst>
+              <a:ext uri="{FF2B5EF4-FFF2-40B4-BE49-F238E27FC236}">
+                <a16:creationId xmlns:a16="http://schemas.microsoft.com/office/drawing/2014/main" id="{CEDA35AD-D884-4B5A-A6AA-B7C971720256}"/>
+              </a:ext>
+            </a:extLst>
+          </p:cNvPr>
+          <p:cNvPicPr>
+            <a:picLocks noChangeAspect="1"/>
+          </p:cNvPicPr>
+          <p:nvPr/>
+        </p:nvPicPr>
+        <p:blipFill>
+          <a:blip r:embed="rId4">
+            <a:extLst>
+              <a:ext uri="{28A0092B-C50C-407E-A947-70E740481C1C}">
+                <a14:useLocalDpi xmlns:a14="http://schemas.microsoft.com/office/drawing/2010/main" val="0"/>
+              </a:ext>
+            </a:extLst>
+          </a:blip>
+          <a:stretch>
+            <a:fillRect/>
+          </a:stretch>
+        </p:blipFill>
+        <p:spPr>
+          <a:xfrm>
+            <a:off x="410118" y="5910601"/>
+            <a:ext cx="2705478" cy="400106"/>
+          </a:xfrm>
+          <a:prstGeom prst="rect">
+            <a:avLst/>
+          </a:prstGeom>
+        </p:spPr>
+      </p:pic>
+      <p:pic>
+        <p:nvPicPr>
+          <p:cNvPr id="11" name="Immagine 10" descr="Immagine che contiene testo&#10;&#10;Descrizione generata automaticamente">
+            <a:extLst>
+              <a:ext uri="{FF2B5EF4-FFF2-40B4-BE49-F238E27FC236}">
+                <a16:creationId xmlns:a16="http://schemas.microsoft.com/office/drawing/2014/main" id="{2F34C901-C8E9-4D08-BB0A-8AFB0EC220F5}"/>
+              </a:ext>
+            </a:extLst>
+          </p:cNvPr>
+          <p:cNvPicPr>
+            <a:picLocks noChangeAspect="1"/>
+          </p:cNvPicPr>
+          <p:nvPr/>
+        </p:nvPicPr>
+        <p:blipFill>
+          <a:blip r:embed="rId5">
+            <a:extLst>
+              <a:ext uri="{28A0092B-C50C-407E-A947-70E740481C1C}">
+                <a14:useLocalDpi xmlns:a14="http://schemas.microsoft.com/office/drawing/2010/main" val="0"/>
+              </a:ext>
+            </a:extLst>
+          </a:blip>
+          <a:stretch>
+            <a:fillRect/>
+          </a:stretch>
+        </p:blipFill>
+        <p:spPr>
+          <a:xfrm>
+            <a:off x="3409933" y="2283216"/>
+            <a:ext cx="4846583" cy="2789946"/>
           </a:xfrm>
           <a:prstGeom prst="rect">
             <a:avLst/>
@@ -5219,7 +5007,7 @@
           <a:lstStyle/>
           <a:p>
             <a:pPr algn="ctr"/>
-            <a:endParaRPr lang="it-IT"/>
+            <a:endParaRPr lang="it-IT" dirty="0"/>
           </a:p>
         </p:txBody>
       </p:sp>
@@ -5255,19 +5043,7 @@
               <a:rPr lang="it-IT" dirty="0">
                 <a:latin typeface="Gill Sans Nova" panose="020B0602020104020203" pitchFamily="34" charset="0"/>
               </a:rPr>
-              <a:t>Intestazione (</a:t>
-            </a:r>
-            <a:r>
-              <a:rPr lang="it-IT" dirty="0" err="1">
-                <a:latin typeface="Gill Sans Nova" panose="020B0602020104020203" pitchFamily="34" charset="0"/>
-              </a:rPr>
-              <a:t>header</a:t>
-            </a:r>
-            <a:r>
-              <a:rPr lang="it-IT" dirty="0">
-                <a:latin typeface="Gill Sans Nova" panose="020B0602020104020203" pitchFamily="34" charset="0"/>
-              </a:rPr>
-              <a:t>)</a:t>
+              <a:t>Funzionamento API Spotify</a:t>
             </a:r>
           </a:p>
         </p:txBody>
@@ -5287,7 +5063,7 @@
         <p:spPr>
           <a:xfrm>
             <a:off x="290146" y="2074985"/>
-            <a:ext cx="2945423" cy="3970318"/>
+            <a:ext cx="2945423" cy="3139321"/>
           </a:xfrm>
           <a:prstGeom prst="rect">
             <a:avLst/>
@@ -5302,47 +5078,25 @@
           <a:p>
             <a:r>
               <a:rPr lang="it-IT" dirty="0"/>
-              <a:t>L’</a:t>
+              <a:t>L’API mi ha permesso, infine, di implementare la possibilità di cercare brani su Spotify, visualizzando la </a:t>
             </a:r>
             <a:r>
               <a:rPr lang="it-IT" dirty="0" err="1"/>
-              <a:t>header</a:t>
+              <a:t>thumbnail</a:t>
             </a:r>
             <a:r>
               <a:rPr lang="it-IT" dirty="0"/>
-              <a:t> è l’elemento introduttivo della pagina. Come da consegna ho inserito un’immagine in background (grandezza di 500px), impostata come elemento </a:t>
-            </a:r>
-            <a:r>
-              <a:rPr lang="it-IT" dirty="0" err="1"/>
-              <a:t>flex</a:t>
-            </a:r>
-            <a:r>
-              <a:rPr lang="it-IT" dirty="0"/>
-              <a:t>, centrata e disposta in colonna. Il titolo della pagina è stato centrato e disposto a metà rispetto l’immagine di sfondo.</a:t>
-            </a:r>
-          </a:p>
-          <a:p>
-            <a:r>
-              <a:rPr lang="it-IT" dirty="0"/>
-              <a:t>Ho utilizzato </a:t>
-            </a:r>
-            <a:r>
-              <a:rPr lang="it-IT" dirty="0" err="1"/>
-              <a:t>un’overlay</a:t>
-            </a:r>
-            <a:r>
-              <a:rPr lang="it-IT" dirty="0"/>
-              <a:t>, come richiesto, semitrasparente.</a:t>
+              <a:t>, titolo e artista del brano. Oltre a queste informazioni, ho aggiunto la possibilità di ascoltare direttamente il brano cliccando sul link, il quale visualizza l’album sull’app Spotify.</a:t>
             </a:r>
           </a:p>
         </p:txBody>
       </p:sp>
       <p:pic>
         <p:nvPicPr>
-          <p:cNvPr id="6" name="Immagine 5" descr="Immagine che contiene testo&#10;&#10;Descrizione generata automaticamente">
-            <a:extLst>
-              <a:ext uri="{FF2B5EF4-FFF2-40B4-BE49-F238E27FC236}">
-                <a16:creationId xmlns:a16="http://schemas.microsoft.com/office/drawing/2014/main" id="{45002913-C65D-430A-9FB8-4953AE49CF12}"/>
+          <p:cNvPr id="6" name="Immagine 5">
+            <a:extLst>
+              <a:ext uri="{FF2B5EF4-FFF2-40B4-BE49-F238E27FC236}">
+                <a16:creationId xmlns:a16="http://schemas.microsoft.com/office/drawing/2014/main" id="{6DFE0B4D-B756-4BE4-8CC2-2F5AB0807E63}"/>
               </a:ext>
             </a:extLst>
           </p:cNvPr>
@@ -5365,8 +5119,44 @@
         </p:blipFill>
         <p:spPr>
           <a:xfrm>
-            <a:off x="3103685" y="2626554"/>
-            <a:ext cx="9088315" cy="2867179"/>
+            <a:off x="4705037" y="1763208"/>
+            <a:ext cx="5975663" cy="4720631"/>
+          </a:xfrm>
+          <a:prstGeom prst="rect">
+            <a:avLst/>
+          </a:prstGeom>
+        </p:spPr>
+      </p:pic>
+      <p:pic>
+        <p:nvPicPr>
+          <p:cNvPr id="8" name="Immagine 7" descr="Immagine che contiene testo&#10;&#10;Descrizione generata automaticamente">
+            <a:extLst>
+              <a:ext uri="{FF2B5EF4-FFF2-40B4-BE49-F238E27FC236}">
+                <a16:creationId xmlns:a16="http://schemas.microsoft.com/office/drawing/2014/main" id="{C126F178-AD5F-43F9-A95A-A1663FF8FB51}"/>
+              </a:ext>
+            </a:extLst>
+          </p:cNvPr>
+          <p:cNvPicPr>
+            <a:picLocks noChangeAspect="1"/>
+          </p:cNvPicPr>
+          <p:nvPr/>
+        </p:nvPicPr>
+        <p:blipFill>
+          <a:blip r:embed="rId3">
+            <a:extLst>
+              <a:ext uri="{28A0092B-C50C-407E-A947-70E740481C1C}">
+                <a14:useLocalDpi xmlns:a14="http://schemas.microsoft.com/office/drawing/2010/main" val="0"/>
+              </a:ext>
+            </a:extLst>
+          </a:blip>
+          <a:stretch>
+            <a:fillRect/>
+          </a:stretch>
+        </p:blipFill>
+        <p:spPr>
+          <a:xfrm>
+            <a:off x="914400" y="5399112"/>
+            <a:ext cx="3248478" cy="733527"/>
           </a:xfrm>
           <a:prstGeom prst="rect">
             <a:avLst/>
@@ -5376,7 +5166,7 @@
     </p:spTree>
     <p:extLst>
       <p:ext uri="{BB962C8B-B14F-4D97-AF65-F5344CB8AC3E}">
-        <p14:creationId xmlns:p14="http://schemas.microsoft.com/office/powerpoint/2010/main" val="4051070896"/>
+        <p14:creationId xmlns:p14="http://schemas.microsoft.com/office/powerpoint/2010/main" val="3885722029"/>
       </p:ext>
     </p:extLst>
   </p:cSld>
@@ -5418,7 +5208,7 @@
         <p:spPr>
           <a:xfrm>
             <a:off x="0" y="0"/>
-            <a:ext cx="12192000" cy="1543538"/>
+            <a:ext cx="12192000" cy="1392237"/>
           </a:xfrm>
           <a:prstGeom prst="rect">
             <a:avLst/>
@@ -5469,43 +5259,29 @@
         </p:nvSpPr>
         <p:spPr>
           <a:xfrm>
-            <a:off x="1511300" y="374161"/>
-            <a:ext cx="9169400" cy="1169377"/>
-          </a:xfrm>
-        </p:spPr>
-        <p:txBody>
-          <a:bodyPr>
-            <a:normAutofit/>
-          </a:bodyPr>
+            <a:off x="1524000" y="-1003300"/>
+            <a:ext cx="9169400" cy="2395537"/>
+          </a:xfrm>
+        </p:spPr>
+        <p:txBody>
+          <a:bodyPr/>
           <a:lstStyle/>
           <a:p>
             <a:r>
               <a:rPr lang="it-IT" dirty="0">
                 <a:latin typeface="Gill Sans Nova" panose="020B0602020104020203" pitchFamily="34" charset="0"/>
               </a:rPr>
-              <a:t>Intestazione (</a:t>
-            </a:r>
-            <a:r>
-              <a:rPr lang="it-IT" dirty="0" err="1">
-                <a:latin typeface="Gill Sans Nova" panose="020B0602020104020203" pitchFamily="34" charset="0"/>
-              </a:rPr>
-              <a:t>header</a:t>
-            </a:r>
-            <a:r>
-              <a:rPr lang="it-IT" dirty="0">
-                <a:latin typeface="Gill Sans Nova" panose="020B0602020104020203" pitchFamily="34" charset="0"/>
-              </a:rPr>
-              <a:t>)</a:t>
-            </a:r>
-          </a:p>
-        </p:txBody>
-      </p:sp>
-      <p:sp>
-        <p:nvSpPr>
-          <p:cNvPr id="5" name="CasellaDiTesto 4">
-            <a:extLst>
-              <a:ext uri="{FF2B5EF4-FFF2-40B4-BE49-F238E27FC236}">
-                <a16:creationId xmlns:a16="http://schemas.microsoft.com/office/drawing/2014/main" id="{FD86E8F0-4F3A-4CCD-ABE9-7F25B95275A4}"/>
+              <a:t>Funzionamento API YouTube</a:t>
+            </a:r>
+          </a:p>
+        </p:txBody>
+      </p:sp>
+      <p:sp>
+        <p:nvSpPr>
+          <p:cNvPr id="3" name="CasellaDiTesto 2">
+            <a:extLst>
+              <a:ext uri="{FF2B5EF4-FFF2-40B4-BE49-F238E27FC236}">
+                <a16:creationId xmlns:a16="http://schemas.microsoft.com/office/drawing/2014/main" id="{70A0D697-CE5F-43BF-A7EA-9767691886F6}"/>
               </a:ext>
             </a:extLst>
           </p:cNvPr>
@@ -5514,8 +5290,8 @@
         </p:nvSpPr>
         <p:spPr>
           <a:xfrm>
-            <a:off x="290146" y="2074985"/>
-            <a:ext cx="6013939" cy="3139321"/>
+            <a:off x="193430" y="1553860"/>
+            <a:ext cx="3472962" cy="2585323"/>
           </a:xfrm>
           <a:prstGeom prst="rect">
             <a:avLst/>
@@ -5530,47 +5306,23 @@
           <a:p>
             <a:r>
               <a:rPr lang="it-IT" dirty="0"/>
-              <a:t>Oltre all’immagine in background e il titolo, ho inserito l’immagine utente (vuota), il mio nome e l’ultima modifica eseguita nella pagina(inserita manualmente). Gli elementi sono stati trattati come nel caso precedente (impostati come </a:t>
-            </a:r>
-            <a:r>
-              <a:rPr lang="it-IT" dirty="0" err="1"/>
-              <a:t>flex</a:t>
-            </a:r>
+              <a:t>L’API di YouTube aveva la possibilità di usare l’autenticazione OAuth2 oppure la API key, io ho deciso di usare la seconda in quanto la prima è già stata utilizzata precedentemente.</a:t>
+            </a:r>
+          </a:p>
+          <a:p>
             <a:r>
               <a:rPr lang="it-IT" dirty="0"/>
-              <a:t>, centrati e disposti in colonna). La foto è stata sovrapposta (a metà) all’immagine in background attraverso il comando «</a:t>
-            </a:r>
-            <a:r>
-              <a:rPr lang="it-IT" dirty="0" err="1"/>
-              <a:t>margin</a:t>
-            </a:r>
-            <a:r>
-              <a:rPr lang="it-IT" dirty="0"/>
-              <a:t>-top» in negativo (-50px). Impostata la dimensione di 100px e un bordo di colore bianco.</a:t>
-            </a:r>
-          </a:p>
-          <a:p>
-            <a:r>
-              <a:rPr lang="it-IT" dirty="0"/>
-              <a:t>Oltre al nome, ho inserito nel testo «Last Update» un bordo inferiore di 2px (linea rosa) e ho usato il comando «font-style: </a:t>
-            </a:r>
-            <a:r>
-              <a:rPr lang="it-IT" dirty="0" err="1"/>
-              <a:t>italic</a:t>
-            </a:r>
-            <a:r>
-              <a:rPr lang="it-IT" dirty="0"/>
-              <a:t>» per il corsivo.</a:t>
+              <a:t>Utilizza comunque un’autenticazione simile a Spotify senza utilizzare il token.</a:t>
             </a:r>
           </a:p>
         </p:txBody>
       </p:sp>
       <p:pic>
         <p:nvPicPr>
-          <p:cNvPr id="7" name="Immagine 6">
-            <a:extLst>
-              <a:ext uri="{FF2B5EF4-FFF2-40B4-BE49-F238E27FC236}">
-                <a16:creationId xmlns:a16="http://schemas.microsoft.com/office/drawing/2014/main" id="{DA2C5318-C1D0-45E1-8BE7-ACAEE359F380}"/>
+          <p:cNvPr id="6" name="Immagine 5">
+            <a:extLst>
+              <a:ext uri="{FF2B5EF4-FFF2-40B4-BE49-F238E27FC236}">
+                <a16:creationId xmlns:a16="http://schemas.microsoft.com/office/drawing/2014/main" id="{BC132691-6026-4F72-A14B-3C6E6F884956}"/>
               </a:ext>
             </a:extLst>
           </p:cNvPr>
@@ -5593,8 +5345,80 @@
         </p:blipFill>
         <p:spPr>
           <a:xfrm>
-            <a:off x="6586710" y="2614107"/>
-            <a:ext cx="2781688" cy="1981477"/>
+            <a:off x="12700" y="5749761"/>
+            <a:ext cx="11973316" cy="985147"/>
+          </a:xfrm>
+          <a:prstGeom prst="rect">
+            <a:avLst/>
+          </a:prstGeom>
+        </p:spPr>
+      </p:pic>
+      <p:pic>
+        <p:nvPicPr>
+          <p:cNvPr id="8" name="Immagine 7">
+            <a:extLst>
+              <a:ext uri="{FF2B5EF4-FFF2-40B4-BE49-F238E27FC236}">
+                <a16:creationId xmlns:a16="http://schemas.microsoft.com/office/drawing/2014/main" id="{FD148F86-C476-4F12-A357-5C95DB470D81}"/>
+              </a:ext>
+            </a:extLst>
+          </p:cNvPr>
+          <p:cNvPicPr>
+            <a:picLocks noChangeAspect="1"/>
+          </p:cNvPicPr>
+          <p:nvPr/>
+        </p:nvPicPr>
+        <p:blipFill>
+          <a:blip r:embed="rId3">
+            <a:extLst>
+              <a:ext uri="{28A0092B-C50C-407E-A947-70E740481C1C}">
+                <a14:useLocalDpi xmlns:a14="http://schemas.microsoft.com/office/drawing/2010/main" val="0"/>
+              </a:ext>
+            </a:extLst>
+          </a:blip>
+          <a:stretch>
+            <a:fillRect/>
+          </a:stretch>
+        </p:blipFill>
+        <p:spPr>
+          <a:xfrm>
+            <a:off x="193430" y="4658765"/>
+            <a:ext cx="9364382" cy="828791"/>
+          </a:xfrm>
+          <a:prstGeom prst="rect">
+            <a:avLst/>
+          </a:prstGeom>
+        </p:spPr>
+      </p:pic>
+      <p:pic>
+        <p:nvPicPr>
+          <p:cNvPr id="11" name="Immagine 10" descr="Immagine che contiene testo&#10;&#10;Descrizione generata automaticamente">
+            <a:extLst>
+              <a:ext uri="{FF2B5EF4-FFF2-40B4-BE49-F238E27FC236}">
+                <a16:creationId xmlns:a16="http://schemas.microsoft.com/office/drawing/2014/main" id="{A52AF890-02C1-4EF6-B193-121CAC0162B0}"/>
+              </a:ext>
+            </a:extLst>
+          </p:cNvPr>
+          <p:cNvPicPr>
+            <a:picLocks noChangeAspect="1"/>
+          </p:cNvPicPr>
+          <p:nvPr/>
+        </p:nvPicPr>
+        <p:blipFill>
+          <a:blip r:embed="rId4">
+            <a:extLst>
+              <a:ext uri="{28A0092B-C50C-407E-A947-70E740481C1C}">
+                <a14:useLocalDpi xmlns:a14="http://schemas.microsoft.com/office/drawing/2010/main" val="0"/>
+              </a:ext>
+            </a:extLst>
+          </a:blip>
+          <a:stretch>
+            <a:fillRect/>
+          </a:stretch>
+        </p:blipFill>
+        <p:spPr>
+          <a:xfrm>
+            <a:off x="4689858" y="1654442"/>
+            <a:ext cx="4867954" cy="2648320"/>
           </a:xfrm>
           <a:prstGeom prst="rect">
             <a:avLst/>
@@ -5604,7 +5428,7 @@
     </p:spTree>
     <p:extLst>
       <p:ext uri="{BB962C8B-B14F-4D97-AF65-F5344CB8AC3E}">
-        <p14:creationId xmlns:p14="http://schemas.microsoft.com/office/powerpoint/2010/main" val="3064334427"/>
+        <p14:creationId xmlns:p14="http://schemas.microsoft.com/office/powerpoint/2010/main" val="1074498225"/>
       </p:ext>
     </p:extLst>
   </p:cSld>
@@ -5646,7 +5470,7 @@
         <p:spPr>
           <a:xfrm>
             <a:off x="0" y="0"/>
-            <a:ext cx="12192000" cy="1389185"/>
+            <a:ext cx="12192000" cy="1523415"/>
           </a:xfrm>
           <a:prstGeom prst="rect">
             <a:avLst/>
@@ -5675,7 +5499,7 @@
           <a:lstStyle/>
           <a:p>
             <a:pPr algn="ctr"/>
-            <a:endParaRPr lang="it-IT"/>
+            <a:endParaRPr lang="it-IT" dirty="0"/>
           </a:p>
         </p:txBody>
       </p:sp>
@@ -5697,7 +5521,7 @@
         </p:nvSpPr>
         <p:spPr>
           <a:xfrm>
-            <a:off x="1511300" y="109903"/>
+            <a:off x="1511300" y="374161"/>
             <a:ext cx="9169400" cy="1169377"/>
           </a:xfrm>
         </p:spPr>
@@ -5711,7 +5535,7 @@
               <a:rPr lang="it-IT" dirty="0">
                 <a:latin typeface="Gill Sans Nova" panose="020B0602020104020203" pitchFamily="34" charset="0"/>
               </a:rPr>
-              <a:t>Sezione contenuti</a:t>
+              <a:t>Funzionamento API YouTube</a:t>
             </a:r>
           </a:p>
         </p:txBody>
@@ -5730,8 +5554,8 @@
         </p:nvSpPr>
         <p:spPr>
           <a:xfrm>
-            <a:off x="237393" y="1499088"/>
-            <a:ext cx="5301761" cy="4247317"/>
+            <a:off x="290146" y="2074985"/>
+            <a:ext cx="2945423" cy="3139321"/>
           </a:xfrm>
           <a:prstGeom prst="rect">
             <a:avLst/>
@@ -5746,88 +5570,61 @@
           <a:p>
             <a:r>
               <a:rPr lang="it-IT" dirty="0"/>
-              <a:t>Il corpo principale della pagina è stato inserito in un «</a:t>
+              <a:t>L’API mi ha permesso, infine, di implementare la possibilità di cercare video su YouTube, visualizzando la </a:t>
             </a:r>
             <a:r>
               <a:rPr lang="it-IT" dirty="0" err="1"/>
-              <a:t>article</a:t>
+              <a:t>thumbnail</a:t>
             </a:r>
             <a:r>
               <a:rPr lang="it-IT" dirty="0"/>
-              <a:t>» e ho suddiviso i ‘’blocchi’’ di informazione in delle «</a:t>
-            </a:r>
-            <a:r>
-              <a:rPr lang="it-IT" dirty="0" err="1"/>
-              <a:t>section</a:t>
-            </a:r>
-            <a:r>
-              <a:rPr lang="it-IT" dirty="0"/>
-              <a:t>».</a:t>
-            </a:r>
-          </a:p>
-          <a:p>
-            <a:r>
-              <a:rPr lang="it-IT" dirty="0"/>
-              <a:t>La grandezza della varie sezioni è stata impostata, come da richiesta al 66,67% della grandezza della pagina (width:66,67%). La distanza tra l’</a:t>
-            </a:r>
-            <a:r>
-              <a:rPr lang="it-IT" dirty="0" err="1"/>
-              <a:t>header</a:t>
-            </a:r>
-            <a:r>
-              <a:rPr lang="it-IT" dirty="0"/>
-              <a:t> e la sezione contenuti è stata impostata a 60px con «</a:t>
-            </a:r>
-            <a:r>
-              <a:rPr lang="it-IT" dirty="0" err="1"/>
-              <a:t>margin</a:t>
-            </a:r>
-            <a:r>
-              <a:rPr lang="it-IT" dirty="0"/>
-              <a:t>-top» e 120px con «</a:t>
-            </a:r>
-            <a:r>
-              <a:rPr lang="it-IT" dirty="0" err="1"/>
-              <a:t>margin</a:t>
-            </a:r>
-            <a:r>
-              <a:rPr lang="it-IT" dirty="0"/>
-              <a:t>-bottom» per separare una sezione dall’altra. La distanza tra le varie parti del testo è stata impostata a 20px.</a:t>
-            </a:r>
-          </a:p>
-          <a:p>
-            <a:r>
-              <a:rPr lang="it-IT" dirty="0"/>
-              <a:t>Il numero che classifica ogni sezione è stato posto a distanza di 40px dal blocco principale con il comando «</a:t>
-            </a:r>
-            <a:r>
-              <a:rPr lang="it-IT" dirty="0" err="1"/>
-              <a:t>padding</a:t>
-            </a:r>
-            <a:r>
-              <a:rPr lang="it-IT" dirty="0"/>
-              <a:t>» e allineato al nome di ogni sezione con «</a:t>
-            </a:r>
-            <a:r>
-              <a:rPr lang="it-IT" dirty="0" err="1"/>
-              <a:t>margin</a:t>
-            </a:r>
-            <a:r>
-              <a:rPr lang="it-IT" dirty="0"/>
-              <a:t>-top».</a:t>
-            </a:r>
-          </a:p>
-          <a:p>
-            <a:endParaRPr lang="it-IT" dirty="0"/>
-          </a:p>
-        </p:txBody>
-      </p:sp>
+              <a:t>, titolo e canale del video. Oltre a queste informazioni, ho aggiunto la possibilità di visualizzare il video tramite un link che porta direttamente al video su YouTube.</a:t>
+            </a:r>
+          </a:p>
+        </p:txBody>
+      </p:sp>
+      <p:pic>
+        <p:nvPicPr>
+          <p:cNvPr id="9" name="Immagine 8" descr="Immagine che contiene testo, arancia&#10;&#10;Descrizione generata automaticamente">
+            <a:extLst>
+              <a:ext uri="{FF2B5EF4-FFF2-40B4-BE49-F238E27FC236}">
+                <a16:creationId xmlns:a16="http://schemas.microsoft.com/office/drawing/2014/main" id="{CD42C2B1-D25F-40C9-B93C-EC8B1B53DB63}"/>
+              </a:ext>
+            </a:extLst>
+          </p:cNvPr>
+          <p:cNvPicPr>
+            <a:picLocks noChangeAspect="1"/>
+          </p:cNvPicPr>
+          <p:nvPr/>
+        </p:nvPicPr>
+        <p:blipFill>
+          <a:blip r:embed="rId2">
+            <a:extLst>
+              <a:ext uri="{28A0092B-C50C-407E-A947-70E740481C1C}">
+                <a14:useLocalDpi xmlns:a14="http://schemas.microsoft.com/office/drawing/2010/main" val="0"/>
+              </a:ext>
+            </a:extLst>
+          </a:blip>
+          <a:stretch>
+            <a:fillRect/>
+          </a:stretch>
+        </p:blipFill>
+        <p:spPr>
+          <a:xfrm>
+            <a:off x="290146" y="5350353"/>
+            <a:ext cx="3115110" cy="552527"/>
+          </a:xfrm>
+          <a:prstGeom prst="rect">
+            <a:avLst/>
+          </a:prstGeom>
+        </p:spPr>
+      </p:pic>
       <p:pic>
         <p:nvPicPr>
           <p:cNvPr id="6" name="Immagine 5" descr="Immagine che contiene testo&#10;&#10;Descrizione generata automaticamente">
             <a:extLst>
               <a:ext uri="{FF2B5EF4-FFF2-40B4-BE49-F238E27FC236}">
-                <a16:creationId xmlns:a16="http://schemas.microsoft.com/office/drawing/2014/main" id="{4E35EC94-5C83-46A1-9342-53B788101095}"/>
+                <a16:creationId xmlns:a16="http://schemas.microsoft.com/office/drawing/2014/main" id="{2079024A-D9B5-465C-87A5-CF82A1A9AB45}"/>
               </a:ext>
             </a:extLst>
           </p:cNvPr>
@@ -5850,18 +5647,97 @@
         </p:blipFill>
         <p:spPr>
           <a:xfrm>
-            <a:off x="5397645" y="1499088"/>
-            <a:ext cx="5529096" cy="5358912"/>
+            <a:off x="7885724" y="1660940"/>
+            <a:ext cx="3544277" cy="4411991"/>
           </a:xfrm>
           <a:prstGeom prst="rect">
             <a:avLst/>
           </a:prstGeom>
         </p:spPr>
       </p:pic>
+      <p:pic>
+        <p:nvPicPr>
+          <p:cNvPr id="10" name="Immagine 9">
+            <a:extLst>
+              <a:ext uri="{FF2B5EF4-FFF2-40B4-BE49-F238E27FC236}">
+                <a16:creationId xmlns:a16="http://schemas.microsoft.com/office/drawing/2014/main" id="{F8B6B092-CCA2-4D2B-A495-16CEFE61678B}"/>
+              </a:ext>
+            </a:extLst>
+          </p:cNvPr>
+          <p:cNvPicPr>
+            <a:picLocks noChangeAspect="1"/>
+          </p:cNvPicPr>
+          <p:nvPr/>
+        </p:nvPicPr>
+        <p:blipFill>
+          <a:blip r:embed="rId4">
+            <a:extLst>
+              <a:ext uri="{28A0092B-C50C-407E-A947-70E740481C1C}">
+                <a14:useLocalDpi xmlns:a14="http://schemas.microsoft.com/office/drawing/2010/main" val="0"/>
+              </a:ext>
+            </a:extLst>
+          </a:blip>
+          <a:stretch>
+            <a:fillRect/>
+          </a:stretch>
+        </p:blipFill>
+        <p:spPr>
+          <a:xfrm>
+            <a:off x="290146" y="5973219"/>
+            <a:ext cx="7499839" cy="663770"/>
+          </a:xfrm>
+          <a:prstGeom prst="rect">
+            <a:avLst/>
+          </a:prstGeom>
+        </p:spPr>
+      </p:pic>
+      <p:sp>
+        <p:nvSpPr>
+          <p:cNvPr id="7" name="CasellaDiTesto 6">
+            <a:extLst>
+              <a:ext uri="{FF2B5EF4-FFF2-40B4-BE49-F238E27FC236}">
+                <a16:creationId xmlns:a16="http://schemas.microsoft.com/office/drawing/2014/main" id="{1D0B750C-9C75-4330-B3D2-277AC98215C0}"/>
+              </a:ext>
+            </a:extLst>
+          </p:cNvPr>
+          <p:cNvSpPr txBox="1"/>
+          <p:nvPr/>
+        </p:nvSpPr>
+        <p:spPr>
+          <a:xfrm>
+            <a:off x="3680409" y="2767482"/>
+            <a:ext cx="3930162" cy="1754326"/>
+          </a:xfrm>
+          <a:prstGeom prst="rect">
+            <a:avLst/>
+          </a:prstGeom>
+          <a:noFill/>
+        </p:spPr>
+        <p:txBody>
+          <a:bodyPr wrap="square" rtlCol="0">
+            <a:spAutoFit/>
+          </a:bodyPr>
+          <a:lstStyle/>
+          <a:p>
+            <a:r>
+              <a:rPr lang="it-IT" dirty="0"/>
+              <a:t>Il parametro ‘’part’’ nell’URL specifica un elenco di informazioni di ricerca che verranno incluse nella risposta dell’API. Per visualizzare le informazioni da me richieste, ho impostato il valore del parametro su «</a:t>
+            </a:r>
+            <a:r>
+              <a:rPr lang="it-IT" dirty="0" err="1"/>
+              <a:t>snippet</a:t>
+            </a:r>
+            <a:r>
+              <a:rPr lang="it-IT" dirty="0"/>
+              <a:t>».</a:t>
+            </a:r>
+          </a:p>
+        </p:txBody>
+      </p:sp>
     </p:spTree>
     <p:extLst>
       <p:ext uri="{BB962C8B-B14F-4D97-AF65-F5344CB8AC3E}">
-        <p14:creationId xmlns:p14="http://schemas.microsoft.com/office/powerpoint/2010/main" val="3461934705"/>
+        <p14:creationId xmlns:p14="http://schemas.microsoft.com/office/powerpoint/2010/main" val="4015876292"/>
       </p:ext>
     </p:extLst>
   </p:cSld>
@@ -5903,7 +5779,7 @@
         <p:spPr>
           <a:xfrm>
             <a:off x="0" y="0"/>
-            <a:ext cx="12192000" cy="1389185"/>
+            <a:ext cx="12192000" cy="1523415"/>
           </a:xfrm>
           <a:prstGeom prst="rect">
             <a:avLst/>
@@ -5932,7 +5808,7 @@
           <a:lstStyle/>
           <a:p>
             <a:pPr algn="ctr"/>
-            <a:endParaRPr lang="it-IT"/>
+            <a:endParaRPr lang="it-IT" dirty="0"/>
           </a:p>
         </p:txBody>
       </p:sp>
@@ -5954,7 +5830,7 @@
         </p:nvSpPr>
         <p:spPr>
           <a:xfrm>
-            <a:off x="1511300" y="109903"/>
+            <a:off x="1511300" y="374161"/>
             <a:ext cx="9169400" cy="1169377"/>
           </a:xfrm>
         </p:spPr>
@@ -5968,7 +5844,7 @@
               <a:rPr lang="it-IT" dirty="0">
                 <a:latin typeface="Gill Sans Nova" panose="020B0602020104020203" pitchFamily="34" charset="0"/>
               </a:rPr>
-              <a:t>Footer</a:t>
+              <a:t>Funzionamento API YouTube</a:t>
             </a:r>
           </a:p>
         </p:txBody>
@@ -5987,8 +5863,8 @@
         </p:nvSpPr>
         <p:spPr>
           <a:xfrm>
-            <a:off x="237393" y="1499088"/>
-            <a:ext cx="11737730" cy="1200329"/>
+            <a:off x="290146" y="2074985"/>
+            <a:ext cx="2945423" cy="3139321"/>
           </a:xfrm>
           <a:prstGeom prst="rect">
             <a:avLst/>
@@ -6003,44 +5879,61 @@
           <a:p>
             <a:r>
               <a:rPr lang="it-IT" dirty="0"/>
-              <a:t>L’elemento conclusivo della pagina è il </a:t>
+              <a:t>L’API mi ha permesso, infine, di implementare la possibilità di cercare video su YouTube, visualizzando la </a:t>
             </a:r>
             <a:r>
               <a:rPr lang="it-IT" dirty="0" err="1"/>
-              <a:t>footer</a:t>
+              <a:t>thumbnail</a:t>
             </a:r>
             <a:r>
               <a:rPr lang="it-IT" dirty="0"/>
-              <a:t>, il quale contiene informazioni come nome, cognome, matricola, e la dicitura ‘’homework 1’’. Lo stile del </a:t>
-            </a:r>
-            <a:r>
-              <a:rPr lang="it-IT" dirty="0" err="1"/>
-              <a:t>footer</a:t>
-            </a:r>
-            <a:r>
-              <a:rPr lang="it-IT" dirty="0"/>
-              <a:t> è stato adattato a quello della pagina, impostandolo come </a:t>
-            </a:r>
-            <a:r>
-              <a:rPr lang="it-IT" dirty="0" err="1"/>
-              <a:t>flex</a:t>
-            </a:r>
-            <a:r>
-              <a:rPr lang="it-IT" dirty="0"/>
-              <a:t>, centrato e disposto i testi in colonna.</a:t>
-            </a:r>
-          </a:p>
-          <a:p>
-            <a:endParaRPr lang="it-IT" dirty="0"/>
+              <a:t>, titolo e canale del video. Oltre a queste informazioni, ho aggiunto la possibilità di visualizzare il video tramite un link che porta direttamente al video su YouTube.</a:t>
+            </a:r>
           </a:p>
         </p:txBody>
       </p:sp>
       <p:pic>
         <p:nvPicPr>
-          <p:cNvPr id="7" name="Immagine 6">
-            <a:extLst>
-              <a:ext uri="{FF2B5EF4-FFF2-40B4-BE49-F238E27FC236}">
-                <a16:creationId xmlns:a16="http://schemas.microsoft.com/office/drawing/2014/main" id="{7BD034CD-DF24-4E2B-9AB8-ABF2304D1E21}"/>
+          <p:cNvPr id="9" name="Immagine 8" descr="Immagine che contiene testo, arancia&#10;&#10;Descrizione generata automaticamente">
+            <a:extLst>
+              <a:ext uri="{FF2B5EF4-FFF2-40B4-BE49-F238E27FC236}">
+                <a16:creationId xmlns:a16="http://schemas.microsoft.com/office/drawing/2014/main" id="{CD42C2B1-D25F-40C9-B93C-EC8B1B53DB63}"/>
+              </a:ext>
+            </a:extLst>
+          </p:cNvPr>
+          <p:cNvPicPr>
+            <a:picLocks noChangeAspect="1"/>
+          </p:cNvPicPr>
+          <p:nvPr/>
+        </p:nvPicPr>
+        <p:blipFill>
+          <a:blip r:embed="rId2">
+            <a:extLst>
+              <a:ext uri="{28A0092B-C50C-407E-A947-70E740481C1C}">
+                <a14:useLocalDpi xmlns:a14="http://schemas.microsoft.com/office/drawing/2010/main" val="0"/>
+              </a:ext>
+            </a:extLst>
+          </a:blip>
+          <a:stretch>
+            <a:fillRect/>
+          </a:stretch>
+        </p:blipFill>
+        <p:spPr>
+          <a:xfrm>
+            <a:off x="290146" y="5350353"/>
+            <a:ext cx="3115110" cy="552527"/>
+          </a:xfrm>
+          <a:prstGeom prst="rect">
+            <a:avLst/>
+          </a:prstGeom>
+        </p:spPr>
+      </p:pic>
+      <p:pic>
+        <p:nvPicPr>
+          <p:cNvPr id="11" name="Immagine 10" descr="Immagine che contiene testo&#10;&#10;Descrizione generata automaticamente">
+            <a:extLst>
+              <a:ext uri="{FF2B5EF4-FFF2-40B4-BE49-F238E27FC236}">
+                <a16:creationId xmlns:a16="http://schemas.microsoft.com/office/drawing/2014/main" id="{F842E0E3-412F-4DA5-A842-A52625D055F5}"/>
               </a:ext>
             </a:extLst>
           </p:cNvPr>
@@ -6063,8 +5956,44 @@
         </p:blipFill>
         <p:spPr>
           <a:xfrm>
-            <a:off x="676250" y="4550019"/>
-            <a:ext cx="10860016" cy="1267002"/>
+            <a:off x="3405256" y="1608299"/>
+            <a:ext cx="4494157" cy="2682348"/>
+          </a:xfrm>
+          <a:prstGeom prst="rect">
+            <a:avLst/>
+          </a:prstGeom>
+        </p:spPr>
+      </p:pic>
+      <p:pic>
+        <p:nvPicPr>
+          <p:cNvPr id="13" name="Immagine 12">
+            <a:extLst>
+              <a:ext uri="{FF2B5EF4-FFF2-40B4-BE49-F238E27FC236}">
+                <a16:creationId xmlns:a16="http://schemas.microsoft.com/office/drawing/2014/main" id="{DFA89C65-75CE-4F20-B55A-D5068C6DCFB0}"/>
+              </a:ext>
+            </a:extLst>
+          </p:cNvPr>
+          <p:cNvPicPr>
+            <a:picLocks noChangeAspect="1"/>
+          </p:cNvPicPr>
+          <p:nvPr/>
+        </p:nvPicPr>
+        <p:blipFill>
+          <a:blip r:embed="rId4">
+            <a:extLst>
+              <a:ext uri="{28A0092B-C50C-407E-A947-70E740481C1C}">
+                <a14:useLocalDpi xmlns:a14="http://schemas.microsoft.com/office/drawing/2010/main" val="0"/>
+              </a:ext>
+            </a:extLst>
+          </a:blip>
+          <a:stretch>
+            <a:fillRect/>
+          </a:stretch>
+        </p:blipFill>
+        <p:spPr>
+          <a:xfrm>
+            <a:off x="8069100" y="2769577"/>
+            <a:ext cx="3588051" cy="3288323"/>
           </a:xfrm>
           <a:prstGeom prst="rect">
             <a:avLst/>
@@ -6074,7 +6003,7 @@
     </p:spTree>
     <p:extLst>
       <p:ext uri="{BB962C8B-B14F-4D97-AF65-F5344CB8AC3E}">
-        <p14:creationId xmlns:p14="http://schemas.microsoft.com/office/powerpoint/2010/main" val="2206022240"/>
+        <p14:creationId xmlns:p14="http://schemas.microsoft.com/office/powerpoint/2010/main" val="4051070896"/>
       </p:ext>
     </p:extLst>
   </p:cSld>
@@ -6173,7 +6102,7 @@
         </p:spPr>
         <p:txBody>
           <a:bodyPr>
-            <a:normAutofit fontScale="90000"/>
+            <a:normAutofit/>
           </a:bodyPr>
           <a:lstStyle/>
           <a:p>
@@ -6181,17 +6110,76 @@
               <a:rPr lang="it-IT" dirty="0">
                 <a:latin typeface="Gill Sans Nova" panose="020B0602020104020203" pitchFamily="34" charset="0"/>
               </a:rPr>
-              <a:t>Caratteri, dimensioni e colori</a:t>
+              <a:t>Mobile Web</a:t>
+            </a:r>
+          </a:p>
+        </p:txBody>
+      </p:sp>
+      <p:sp>
+        <p:nvSpPr>
+          <p:cNvPr id="12" name="CasellaDiTesto 11">
+            <a:extLst>
+              <a:ext uri="{FF2B5EF4-FFF2-40B4-BE49-F238E27FC236}">
+                <a16:creationId xmlns:a16="http://schemas.microsoft.com/office/drawing/2014/main" id="{066C9DF1-6E25-4629-A6BF-24005157B40A}"/>
+              </a:ext>
+            </a:extLst>
+          </p:cNvPr>
+          <p:cNvSpPr txBox="1"/>
+          <p:nvPr/>
+        </p:nvSpPr>
+        <p:spPr>
+          <a:xfrm>
+            <a:off x="386862" y="1600200"/>
+            <a:ext cx="11412415" cy="923330"/>
+          </a:xfrm>
+          <a:prstGeom prst="rect">
+            <a:avLst/>
+          </a:prstGeom>
+          <a:noFill/>
+        </p:spPr>
+        <p:txBody>
+          <a:bodyPr wrap="square" rtlCol="0">
+            <a:spAutoFit/>
+          </a:bodyPr>
+          <a:lstStyle/>
+          <a:p>
+            <a:r>
+              <a:rPr lang="it-IT" dirty="0"/>
+              <a:t>Per quanto riguarda la parte di visualizzazione Mobile, non ho apportato cambiamenti a quelli già inclusi in precedenza all’</a:t>
+            </a:r>
+            <a:r>
+              <a:rPr lang="it-IT" dirty="0" err="1"/>
+              <a:t>homework</a:t>
+            </a:r>
+            <a:r>
+              <a:rPr lang="it-IT" dirty="0"/>
+              <a:t> 1, se non l’aggiunta della proprietà CSS ‘’</a:t>
+            </a:r>
+            <a:r>
+              <a:rPr lang="it-IT" dirty="0" err="1"/>
+              <a:t>flex-wrap</a:t>
+            </a:r>
+            <a:r>
+              <a:rPr lang="it-IT" dirty="0"/>
+              <a:t> : </a:t>
+            </a:r>
+            <a:r>
+              <a:rPr lang="it-IT" dirty="0" err="1"/>
+              <a:t>wrap</a:t>
+            </a:r>
+            <a:r>
+              <a:rPr lang="it-IT" dirty="0"/>
+              <a:t>’’ al div «API» (per dispositivi con larghezza massima di 500px), che mi ha disposto le due API una dopo l’altra senza sovrapporsi o con problemi di visibilità.</a:t>
             </a:r>
           </a:p>
         </p:txBody>
       </p:sp>
       <p:pic>
         <p:nvPicPr>
-          <p:cNvPr id="6" name="Immagine 5" descr="Immagine che contiene testo, interni, mensola&#10;&#10;Descrizione generata automaticamente">
-            <a:extLst>
-              <a:ext uri="{FF2B5EF4-FFF2-40B4-BE49-F238E27FC236}">
-                <a16:creationId xmlns:a16="http://schemas.microsoft.com/office/drawing/2014/main" id="{ED56900D-1F4C-42EC-8FA5-1DFE02A12893}"/>
+          <p:cNvPr id="6" name="Immagine 5" descr="Immagine che contiene testo&#10;&#10;Descrizione generata automaticamente">
+            <a:extLst>
+              <a:ext uri="{FF2B5EF4-FFF2-40B4-BE49-F238E27FC236}">
+                <a16:creationId xmlns:a16="http://schemas.microsoft.com/office/drawing/2014/main" id="{546B7471-D706-4530-954C-859897770B06}"/>
               </a:ext>
             </a:extLst>
           </p:cNvPr>
@@ -6214,8 +6202,8 @@
         </p:blipFill>
         <p:spPr>
           <a:xfrm>
-            <a:off x="303466" y="5350032"/>
-            <a:ext cx="8630854" cy="1257475"/>
+            <a:off x="617858" y="2523530"/>
+            <a:ext cx="2410161" cy="943107"/>
           </a:xfrm>
           <a:prstGeom prst="rect">
             <a:avLst/>
@@ -6224,10 +6212,10 @@
       </p:pic>
       <p:pic>
         <p:nvPicPr>
-          <p:cNvPr id="9" name="Immagine 8" descr="Immagine che contiene testo&#10;&#10;Descrizione generata automaticamente">
-            <a:extLst>
-              <a:ext uri="{FF2B5EF4-FFF2-40B4-BE49-F238E27FC236}">
-                <a16:creationId xmlns:a16="http://schemas.microsoft.com/office/drawing/2014/main" id="{DD799193-7D9F-44B4-AF29-311A9CD5F29C}"/>
+          <p:cNvPr id="9" name="Immagine 8">
+            <a:extLst>
+              <a:ext uri="{FF2B5EF4-FFF2-40B4-BE49-F238E27FC236}">
+                <a16:creationId xmlns:a16="http://schemas.microsoft.com/office/drawing/2014/main" id="{5ED99524-D80D-40F0-A772-99F2CB0D62D2}"/>
               </a:ext>
             </a:extLst>
           </p:cNvPr>
@@ -6250,8 +6238,8 @@
         </p:blipFill>
         <p:spPr>
           <a:xfrm>
-            <a:off x="9206473" y="4890566"/>
-            <a:ext cx="2448267" cy="1743318"/>
+            <a:off x="3259015" y="2523530"/>
+            <a:ext cx="2719322" cy="4037958"/>
           </a:xfrm>
           <a:prstGeom prst="rect">
             <a:avLst/>
@@ -6263,7 +6251,7 @@
           <p:cNvPr id="11" name="Immagine 10" descr="Immagine che contiene testo&#10;&#10;Descrizione generata automaticamente">
             <a:extLst>
               <a:ext uri="{FF2B5EF4-FFF2-40B4-BE49-F238E27FC236}">
-                <a16:creationId xmlns:a16="http://schemas.microsoft.com/office/drawing/2014/main" id="{638BA6D5-A804-4C26-B531-601260D16F97}"/>
+                <a16:creationId xmlns:a16="http://schemas.microsoft.com/office/drawing/2014/main" id="{8DF74A22-6A57-4E6F-9FD4-17EE02B84C87}"/>
               </a:ext>
             </a:extLst>
           </p:cNvPr>
@@ -6286,59 +6274,54 @@
         </p:blipFill>
         <p:spPr>
           <a:xfrm>
-            <a:off x="8815911" y="1429899"/>
-            <a:ext cx="3000794" cy="3419952"/>
+            <a:off x="6209333" y="2521709"/>
+            <a:ext cx="2532959" cy="4041601"/>
           </a:xfrm>
           <a:prstGeom prst="rect">
             <a:avLst/>
           </a:prstGeom>
         </p:spPr>
       </p:pic>
-      <p:sp>
-        <p:nvSpPr>
-          <p:cNvPr id="12" name="CasellaDiTesto 11">
-            <a:extLst>
-              <a:ext uri="{FF2B5EF4-FFF2-40B4-BE49-F238E27FC236}">
-                <a16:creationId xmlns:a16="http://schemas.microsoft.com/office/drawing/2014/main" id="{066C9DF1-6E25-4629-A6BF-24005157B40A}"/>
-              </a:ext>
-            </a:extLst>
-          </p:cNvPr>
-          <p:cNvSpPr txBox="1"/>
+      <p:pic>
+        <p:nvPicPr>
+          <p:cNvPr id="14" name="Immagine 13" descr="Immagine che contiene testo&#10;&#10;Descrizione generata automaticamente">
+            <a:extLst>
+              <a:ext uri="{FF2B5EF4-FFF2-40B4-BE49-F238E27FC236}">
+                <a16:creationId xmlns:a16="http://schemas.microsoft.com/office/drawing/2014/main" id="{427BC508-4B25-4733-B0D8-AAF2B4F5E690}"/>
+              </a:ext>
+            </a:extLst>
+          </p:cNvPr>
+          <p:cNvPicPr>
+            <a:picLocks noChangeAspect="1"/>
+          </p:cNvPicPr>
           <p:nvPr/>
-        </p:nvSpPr>
-        <p:spPr>
-          <a:xfrm>
-            <a:off x="386862" y="1600200"/>
-            <a:ext cx="8264769" cy="1477328"/>
+        </p:nvPicPr>
+        <p:blipFill>
+          <a:blip r:embed="rId6">
+            <a:extLst>
+              <a:ext uri="{28A0092B-C50C-407E-A947-70E740481C1C}">
+                <a14:useLocalDpi xmlns:a14="http://schemas.microsoft.com/office/drawing/2010/main" val="0"/>
+              </a:ext>
+            </a:extLst>
+          </a:blip>
+          <a:stretch>
+            <a:fillRect/>
+          </a:stretch>
+        </p:blipFill>
+        <p:spPr>
+          <a:xfrm>
+            <a:off x="8973288" y="2520161"/>
+            <a:ext cx="2600854" cy="4041327"/>
           </a:xfrm>
           <a:prstGeom prst="rect">
             <a:avLst/>
           </a:prstGeom>
-          <a:noFill/>
-        </p:spPr>
-        <p:txBody>
-          <a:bodyPr wrap="square" rtlCol="0">
-            <a:spAutoFit/>
-          </a:bodyPr>
-          <a:lstStyle/>
-          <a:p>
-            <a:r>
-              <a:rPr lang="it-IT" dirty="0"/>
-              <a:t>La pagina doveva rispettare delle condizioni di carattere, dimensioni e colori. Ho scelto di usare come colore principale il rosa con scritte bianche in modo da rendere leggera la lettura. Le dimensioni del carattere sono state adattate in base ad ogni elemento.</a:t>
-            </a:r>
-          </a:p>
-          <a:p>
-            <a:r>
-              <a:rPr lang="it-IT" dirty="0"/>
-              <a:t>I font principali utilizzati sono ‘’Poppins’’ e ‘’Open Sans’’ da Google Fonts, con un carattere di riserva ‘’sans-serif’’</a:t>
-            </a:r>
-          </a:p>
-        </p:txBody>
-      </p:sp>
+        </p:spPr>
+      </p:pic>
     </p:spTree>
     <p:extLst>
       <p:ext uri="{BB962C8B-B14F-4D97-AF65-F5344CB8AC3E}">
-        <p14:creationId xmlns:p14="http://schemas.microsoft.com/office/powerpoint/2010/main" val="1156640521"/>
+        <p14:creationId xmlns:p14="http://schemas.microsoft.com/office/powerpoint/2010/main" val="3298238333"/>
       </p:ext>
     </p:extLst>
   </p:cSld>
@@ -6936,4 +6919,264 @@
     </a:ext>
   </a:extLst>
 </a:theme>
+</file>
+
+<file path=customXml/item1.xml><?xml version="1.0" encoding="utf-8"?>
+<p:properties xmlns:p="http://schemas.microsoft.com/office/2006/metadata/properties" xmlns:xsi="http://www.w3.org/2001/XMLSchema-instance" xmlns:pc="http://schemas.microsoft.com/office/infopath/2007/PartnerControls">
+  <documentManagement/>
+</p:properties>
+</file>
+
+<file path=customXml/item2.xml><?xml version="1.0" encoding="utf-8"?>
+<?mso-contentType ?>
+<FormTemplates xmlns="http://schemas.microsoft.com/sharepoint/v3/contenttype/forms">
+  <Display>DocumentLibraryForm</Display>
+  <Edit>DocumentLibraryForm</Edit>
+  <New>DocumentLibraryForm</New>
+</FormTemplates>
+</file>
+
+<file path=customXml/item3.xml><?xml version="1.0" encoding="utf-8"?>
+<ct:contentTypeSchema xmlns:ct="http://schemas.microsoft.com/office/2006/metadata/contentType" xmlns:ma="http://schemas.microsoft.com/office/2006/metadata/properties/metaAttributes" ct:_="" ma:_="" ma:contentTypeName="Document" ma:contentTypeID="0x010100E2838027D7B50449A71E4DA479604A34" ma:contentTypeVersion="10" ma:contentTypeDescription="Create a new document." ma:contentTypeScope="" ma:versionID="aa3b541d6f1644d8405dad87a5c24195">
+  <xsd:schema xmlns:xsd="http://www.w3.org/2001/XMLSchema" xmlns:xs="http://www.w3.org/2001/XMLSchema" xmlns:p="http://schemas.microsoft.com/office/2006/metadata/properties" xmlns:ns3="1a4afd7a-1727-4f99-acfe-6d20d13279b6" xmlns:ns4="61229389-9294-4624-84e4-7c48392515dc" targetNamespace="http://schemas.microsoft.com/office/2006/metadata/properties" ma:root="true" ma:fieldsID="dca07bfc635828e5a73a7d348652d38f" ns3:_="" ns4:_="">
+    <xsd:import namespace="1a4afd7a-1727-4f99-acfe-6d20d13279b6"/>
+    <xsd:import namespace="61229389-9294-4624-84e4-7c48392515dc"/>
+    <xsd:element name="properties">
+      <xsd:complexType>
+        <xsd:sequence>
+          <xsd:element name="documentManagement">
+            <xsd:complexType>
+              <xsd:all>
+                <xsd:element ref="ns3:MediaServiceMetadata" minOccurs="0"/>
+                <xsd:element ref="ns3:MediaServiceFastMetadata" minOccurs="0"/>
+                <xsd:element ref="ns3:MediaServiceDateTaken" minOccurs="0"/>
+                <xsd:element ref="ns3:MediaServiceAutoTags" minOccurs="0"/>
+                <xsd:element ref="ns3:MediaServiceLocation" minOccurs="0"/>
+                <xsd:element ref="ns3:MediaServiceGenerationTime" minOccurs="0"/>
+                <xsd:element ref="ns3:MediaServiceEventHashCode" minOccurs="0"/>
+                <xsd:element ref="ns4:SharedWithUsers" minOccurs="0"/>
+                <xsd:element ref="ns4:SharedWithDetails" minOccurs="0"/>
+                <xsd:element ref="ns4:SharingHintHash" minOccurs="0"/>
+              </xsd:all>
+            </xsd:complexType>
+          </xsd:element>
+        </xsd:sequence>
+      </xsd:complexType>
+    </xsd:element>
+  </xsd:schema>
+  <xsd:schema xmlns:xsd="http://www.w3.org/2001/XMLSchema" xmlns:xs="http://www.w3.org/2001/XMLSchema" xmlns:dms="http://schemas.microsoft.com/office/2006/documentManagement/types" xmlns:pc="http://schemas.microsoft.com/office/infopath/2007/PartnerControls" targetNamespace="1a4afd7a-1727-4f99-acfe-6d20d13279b6" elementFormDefault="qualified">
+    <xsd:import namespace="http://schemas.microsoft.com/office/2006/documentManagement/types"/>
+    <xsd:import namespace="http://schemas.microsoft.com/office/infopath/2007/PartnerControls"/>
+    <xsd:element name="MediaServiceMetadata" ma:index="8" nillable="true" ma:displayName="MediaServiceMetadata" ma:hidden="true" ma:internalName="MediaServiceMetadata" ma:readOnly="true">
+      <xsd:simpleType>
+        <xsd:restriction base="dms:Note"/>
+      </xsd:simpleType>
+    </xsd:element>
+    <xsd:element name="MediaServiceFastMetadata" ma:index="9" nillable="true" ma:displayName="MediaServiceFastMetadata" ma:hidden="true" ma:internalName="MediaServiceFastMetadata" ma:readOnly="true">
+      <xsd:simpleType>
+        <xsd:restriction base="dms:Note"/>
+      </xsd:simpleType>
+    </xsd:element>
+    <xsd:element name="MediaServiceDateTaken" ma:index="10" nillable="true" ma:displayName="MediaServiceDateTaken" ma:hidden="true" ma:internalName="MediaServiceDateTaken" ma:readOnly="true">
+      <xsd:simpleType>
+        <xsd:restriction base="dms:Text"/>
+      </xsd:simpleType>
+    </xsd:element>
+    <xsd:element name="MediaServiceAutoTags" ma:index="11" nillable="true" ma:displayName="Tags" ma:internalName="MediaServiceAutoTags" ma:readOnly="true">
+      <xsd:simpleType>
+        <xsd:restriction base="dms:Text"/>
+      </xsd:simpleType>
+    </xsd:element>
+    <xsd:element name="MediaServiceLocation" ma:index="12" nillable="true" ma:displayName="Location" ma:internalName="MediaServiceLocation" ma:readOnly="true">
+      <xsd:simpleType>
+        <xsd:restriction base="dms:Text"/>
+      </xsd:simpleType>
+    </xsd:element>
+    <xsd:element name="MediaServiceGenerationTime" ma:index="13" nillable="true" ma:displayName="MediaServiceGenerationTime" ma:hidden="true" ma:internalName="MediaServiceGenerationTime" ma:readOnly="true">
+      <xsd:simpleType>
+        <xsd:restriction base="dms:Text"/>
+      </xsd:simpleType>
+    </xsd:element>
+    <xsd:element name="MediaServiceEventHashCode" ma:index="14" nillable="true" ma:displayName="MediaServiceEventHashCode" ma:hidden="true" ma:internalName="MediaServiceEventHashCode" ma:readOnly="true">
+      <xsd:simpleType>
+        <xsd:restriction base="dms:Text"/>
+      </xsd:simpleType>
+    </xsd:element>
+  </xsd:schema>
+  <xsd:schema xmlns:xsd="http://www.w3.org/2001/XMLSchema" xmlns:xs="http://www.w3.org/2001/XMLSchema" xmlns:dms="http://schemas.microsoft.com/office/2006/documentManagement/types" xmlns:pc="http://schemas.microsoft.com/office/infopath/2007/PartnerControls" targetNamespace="61229389-9294-4624-84e4-7c48392515dc" elementFormDefault="qualified">
+    <xsd:import namespace="http://schemas.microsoft.com/office/2006/documentManagement/types"/>
+    <xsd:import namespace="http://schemas.microsoft.com/office/infopath/2007/PartnerControls"/>
+    <xsd:element name="SharedWithUsers" ma:index="15" nillable="true" ma:displayName="Shared With" ma:internalName="SharedWithUsers" ma:readOnly="true">
+      <xsd:complexType>
+        <xsd:complexContent>
+          <xsd:extension base="dms:UserMulti">
+            <xsd:sequence>
+              <xsd:element name="UserInfo" minOccurs="0" maxOccurs="unbounded">
+                <xsd:complexType>
+                  <xsd:sequence>
+                    <xsd:element name="DisplayName" type="xsd:string" minOccurs="0"/>
+                    <xsd:element name="AccountId" type="dms:UserId" minOccurs="0" nillable="true"/>
+                    <xsd:element name="AccountType" type="xsd:string" minOccurs="0"/>
+                  </xsd:sequence>
+                </xsd:complexType>
+              </xsd:element>
+            </xsd:sequence>
+          </xsd:extension>
+        </xsd:complexContent>
+      </xsd:complexType>
+    </xsd:element>
+    <xsd:element name="SharedWithDetails" ma:index="16" nillable="true" ma:displayName="Shared With Details" ma:internalName="SharedWithDetails" ma:readOnly="true">
+      <xsd:simpleType>
+        <xsd:restriction base="dms:Note">
+          <xsd:maxLength value="255"/>
+        </xsd:restriction>
+      </xsd:simpleType>
+    </xsd:element>
+    <xsd:element name="SharingHintHash" ma:index="17" nillable="true" ma:displayName="Sharing Hint Hash" ma:hidden="true" ma:internalName="SharingHintHash" ma:readOnly="true">
+      <xsd:simpleType>
+        <xsd:restriction base="dms:Text"/>
+      </xsd:simpleType>
+    </xsd:element>
+  </xsd:schema>
+  <xsd:schema xmlns="http://schemas.openxmlformats.org/package/2006/metadata/core-properties" xmlns:xsd="http://www.w3.org/2001/XMLSchema" xmlns:xsi="http://www.w3.org/2001/XMLSchema-instance" xmlns:dc="http://purl.org/dc/elements/1.1/" xmlns:dcterms="http://purl.org/dc/terms/" xmlns:odoc="http://schemas.microsoft.com/internal/obd" targetNamespace="http://schemas.openxmlformats.org/package/2006/metadata/core-properties" elementFormDefault="qualified" attributeFormDefault="unqualified" blockDefault="#all">
+    <xsd:import namespace="http://purl.org/dc/elements/1.1/" schemaLocation="http://dublincore.org/schemas/xmls/qdc/2003/04/02/dc.xsd"/>
+    <xsd:import namespace="http://purl.org/dc/terms/" schemaLocation="http://dublincore.org/schemas/xmls/qdc/2003/04/02/dcterms.xsd"/>
+    <xsd:element name="coreProperties" type="CT_coreProperties"/>
+    <xsd:complexType name="CT_coreProperties">
+      <xsd:all>
+        <xsd:element ref="dc:creator" minOccurs="0" maxOccurs="1"/>
+        <xsd:element ref="dcterms:created" minOccurs="0" maxOccurs="1"/>
+        <xsd:element ref="dc:identifier" minOccurs="0" maxOccurs="1"/>
+        <xsd:element name="contentType" minOccurs="0" maxOccurs="1" type="xsd:string" ma:index="0" ma:displayName="Content Type"/>
+        <xsd:element ref="dc:title" minOccurs="0" maxOccurs="1" ma:index="4" ma:displayName="Title"/>
+        <xsd:element ref="dc:subject" minOccurs="0" maxOccurs="1"/>
+        <xsd:element ref="dc:description" minOccurs="0" maxOccurs="1"/>
+        <xsd:element name="keywords" minOccurs="0" maxOccurs="1" type="xsd:string"/>
+        <xsd:element ref="dc:language" minOccurs="0" maxOccurs="1"/>
+        <xsd:element name="category" minOccurs="0" maxOccurs="1" type="xsd:string"/>
+        <xsd:element name="version" minOccurs="0" maxOccurs="1" type="xsd:string"/>
+        <xsd:element name="revision" minOccurs="0" maxOccurs="1" type="xsd:string">
+          <xsd:annotation>
+            <xsd:documentation>
+                        This value indicates the number of saves or revisions. The application is responsible for updating this value after each revision.
+                    </xsd:documentation>
+          </xsd:annotation>
+        </xsd:element>
+        <xsd:element name="lastModifiedBy" minOccurs="0" maxOccurs="1" type="xsd:string"/>
+        <xsd:element ref="dcterms:modified" minOccurs="0" maxOccurs="1"/>
+        <xsd:element name="contentStatus" minOccurs="0" maxOccurs="1" type="xsd:string"/>
+      </xsd:all>
+    </xsd:complexType>
+  </xsd:schema>
+  <xs:schema xmlns:pc="http://schemas.microsoft.com/office/infopath/2007/PartnerControls" xmlns:xs="http://www.w3.org/2001/XMLSchema" targetNamespace="http://schemas.microsoft.com/office/infopath/2007/PartnerControls" elementFormDefault="qualified" attributeFormDefault="unqualified">
+    <xs:element name="Person">
+      <xs:complexType>
+        <xs:sequence>
+          <xs:element ref="pc:DisplayName" minOccurs="0"/>
+          <xs:element ref="pc:AccountId" minOccurs="0"/>
+          <xs:element ref="pc:AccountType" minOccurs="0"/>
+        </xs:sequence>
+      </xs:complexType>
+    </xs:element>
+    <xs:element name="DisplayName" type="xs:string"/>
+    <xs:element name="AccountId" type="xs:string"/>
+    <xs:element name="AccountType" type="xs:string"/>
+    <xs:element name="BDCAssociatedEntity">
+      <xs:complexType>
+        <xs:sequence>
+          <xs:element ref="pc:BDCEntity" minOccurs="0" maxOccurs="unbounded"/>
+        </xs:sequence>
+        <xs:attribute ref="pc:EntityNamespace"/>
+        <xs:attribute ref="pc:EntityName"/>
+        <xs:attribute ref="pc:SystemInstanceName"/>
+        <xs:attribute ref="pc:AssociationName"/>
+      </xs:complexType>
+    </xs:element>
+    <xs:attribute name="EntityNamespace" type="xs:string"/>
+    <xs:attribute name="EntityName" type="xs:string"/>
+    <xs:attribute name="SystemInstanceName" type="xs:string"/>
+    <xs:attribute name="AssociationName" type="xs:string"/>
+    <xs:element name="BDCEntity">
+      <xs:complexType>
+        <xs:sequence>
+          <xs:element ref="pc:EntityDisplayName" minOccurs="0"/>
+          <xs:element ref="pc:EntityInstanceReference" minOccurs="0"/>
+          <xs:element ref="pc:EntityId1" minOccurs="0"/>
+          <xs:element ref="pc:EntityId2" minOccurs="0"/>
+          <xs:element ref="pc:EntityId3" minOccurs="0"/>
+          <xs:element ref="pc:EntityId4" minOccurs="0"/>
+          <xs:element ref="pc:EntityId5" minOccurs="0"/>
+        </xs:sequence>
+      </xs:complexType>
+    </xs:element>
+    <xs:element name="EntityDisplayName" type="xs:string"/>
+    <xs:element name="EntityInstanceReference" type="xs:string"/>
+    <xs:element name="EntityId1" type="xs:string"/>
+    <xs:element name="EntityId2" type="xs:string"/>
+    <xs:element name="EntityId3" type="xs:string"/>
+    <xs:element name="EntityId4" type="xs:string"/>
+    <xs:element name="EntityId5" type="xs:string"/>
+    <xs:element name="Terms">
+      <xs:complexType>
+        <xs:sequence>
+          <xs:element ref="pc:TermInfo" minOccurs="0" maxOccurs="unbounded"/>
+        </xs:sequence>
+      </xs:complexType>
+    </xs:element>
+    <xs:element name="TermInfo">
+      <xs:complexType>
+        <xs:sequence>
+          <xs:element ref="pc:TermName" minOccurs="0"/>
+          <xs:element ref="pc:TermId" minOccurs="0"/>
+        </xs:sequence>
+      </xs:complexType>
+    </xs:element>
+    <xs:element name="TermName" type="xs:string"/>
+    <xs:element name="TermId" type="xs:string"/>
+  </xs:schema>
+</ct:contentTypeSchema>
+</file>
+
+<file path=customXml/itemProps1.xml><?xml version="1.0" encoding="utf-8"?>
+<ds:datastoreItem xmlns:ds="http://schemas.openxmlformats.org/officeDocument/2006/customXml" ds:itemID="{428C65CF-E9EF-4A12-8BC0-9875DC006AC1}">
+  <ds:schemaRefs>
+    <ds:schemaRef ds:uri="http://schemas.microsoft.com/office/2006/metadata/properties"/>
+    <ds:schemaRef ds:uri="http://purl.org/dc/dcmitype/"/>
+    <ds:schemaRef ds:uri="1a4afd7a-1727-4f99-acfe-6d20d13279b6"/>
+    <ds:schemaRef ds:uri="http://schemas.openxmlformats.org/package/2006/metadata/core-properties"/>
+    <ds:schemaRef ds:uri="http://schemas.microsoft.com/office/2006/documentManagement/types"/>
+    <ds:schemaRef ds:uri="http://www.w3.org/XML/1998/namespace"/>
+    <ds:schemaRef ds:uri="http://purl.org/dc/elements/1.1/"/>
+    <ds:schemaRef ds:uri="http://schemas.microsoft.com/office/infopath/2007/PartnerControls"/>
+    <ds:schemaRef ds:uri="61229389-9294-4624-84e4-7c48392515dc"/>
+    <ds:schemaRef ds:uri="http://purl.org/dc/terms/"/>
+  </ds:schemaRefs>
+</ds:datastoreItem>
+</file>
+
+<file path=customXml/itemProps2.xml><?xml version="1.0" encoding="utf-8"?>
+<ds:datastoreItem xmlns:ds="http://schemas.openxmlformats.org/officeDocument/2006/customXml" ds:itemID="{2E2F105F-DEAB-4531-86D9-28823EBB76A9}">
+  <ds:schemaRefs>
+    <ds:schemaRef ds:uri="http://schemas.microsoft.com/sharepoint/v3/contenttype/forms"/>
+  </ds:schemaRefs>
+</ds:datastoreItem>
+</file>
+
+<file path=customXml/itemProps3.xml><?xml version="1.0" encoding="utf-8"?>
+<ds:datastoreItem xmlns:ds="http://schemas.openxmlformats.org/officeDocument/2006/customXml" ds:itemID="{D5C73EF0-462D-49F0-A90A-533D56B61A7C}">
+  <ds:schemaRefs>
+    <ds:schemaRef ds:uri="http://schemas.microsoft.com/office/2006/metadata/contentType"/>
+    <ds:schemaRef ds:uri="http://schemas.microsoft.com/office/2006/metadata/properties/metaAttributes"/>
+    <ds:schemaRef ds:uri="http://www.w3.org/2001/XMLSchema"/>
+    <ds:schemaRef ds:uri="http://schemas.microsoft.com/office/2006/metadata/properties"/>
+    <ds:schemaRef ds:uri="1a4afd7a-1727-4f99-acfe-6d20d13279b6"/>
+    <ds:schemaRef ds:uri="61229389-9294-4624-84e4-7c48392515dc"/>
+    <ds:schemaRef ds:uri="http://schemas.microsoft.com/office/2006/documentManagement/types"/>
+    <ds:schemaRef ds:uri="http://schemas.microsoft.com/office/infopath/2007/PartnerControls"/>
+    <ds:schemaRef ds:uri="http://schemas.openxmlformats.org/package/2006/metadata/core-properties"/>
+    <ds:schemaRef ds:uri="http://purl.org/dc/elements/1.1/"/>
+    <ds:schemaRef ds:uri="http://purl.org/dc/terms/"/>
+    <ds:schemaRef ds:uri="http://schemas.microsoft.com/internal/obd"/>
+  </ds:schemaRefs>
+</ds:datastoreItem>
 </file>